--- a/S4/04. OODP/Notes & PPTs/Chaithanya Ma'ams/Module 2/module 2.pptx
+++ b/S4/04. OODP/Notes & PPTs/Chaithanya Ma'ams/Module 2/module 2.pptx
@@ -5,19 +5,18 @@
     <p:sldMasterId id="2147483648" r:id="rId1"/>
   </p:sldMasterIdLst>
   <p:sldIdLst>
-    <p:sldId id="256" r:id="rId2"/>
-    <p:sldId id="257" r:id="rId3"/>
-    <p:sldId id="258" r:id="rId4"/>
-    <p:sldId id="259" r:id="rId5"/>
-    <p:sldId id="260" r:id="rId6"/>
-    <p:sldId id="261" r:id="rId7"/>
-    <p:sldId id="262" r:id="rId8"/>
-    <p:sldId id="263" r:id="rId9"/>
-    <p:sldId id="264" r:id="rId10"/>
-    <p:sldId id="265" r:id="rId11"/>
-    <p:sldId id="266" r:id="rId12"/>
-    <p:sldId id="267" r:id="rId13"/>
-    <p:sldId id="268" r:id="rId14"/>
+    <p:sldId id="257" r:id="rId2"/>
+    <p:sldId id="258" r:id="rId3"/>
+    <p:sldId id="259" r:id="rId4"/>
+    <p:sldId id="260" r:id="rId5"/>
+    <p:sldId id="261" r:id="rId6"/>
+    <p:sldId id="262" r:id="rId7"/>
+    <p:sldId id="263" r:id="rId8"/>
+    <p:sldId id="264" r:id="rId9"/>
+    <p:sldId id="265" r:id="rId10"/>
+    <p:sldId id="266" r:id="rId11"/>
+    <p:sldId id="267" r:id="rId12"/>
+    <p:sldId id="268" r:id="rId13"/>
   </p:sldIdLst>
   <p:sldSz cx="9144000" cy="6858000" type="screen4x3"/>
   <p:notesSz cx="6858000" cy="9144000"/>
@@ -116,6 +115,22 @@
       </a:defRPr>
     </a:lvl9pPr>
   </p:defaultTextStyle>
+  <p:extLst>
+    <p:ext uri="{EFAFB233-063F-42B5-8137-9DF3F51BA10A}">
+      <p15:sldGuideLst xmlns:p15="http://schemas.microsoft.com/office/powerpoint/2012/main">
+        <p15:guide id="1" orient="horz" pos="2160">
+          <p15:clr>
+            <a:srgbClr val="A4A3A4"/>
+          </p15:clr>
+        </p15:guide>
+        <p15:guide id="2" pos="2880">
+          <p15:clr>
+            <a:srgbClr val="A4A3A4"/>
+          </p15:clr>
+        </p15:guide>
+      </p15:sldGuideLst>
+    </p:ext>
+  </p:extLst>
 </p:presentation>
 </file>
 
@@ -157,10 +172,9 @@
           <a:lstStyle/>
           <a:p>
             <a:r>
-              <a:rPr lang="en-US" smtClean="0"/>
+              <a:rPr lang="en-US"/>
               <a:t>Click to edit Master title style</a:t>
             </a:r>
-            <a:endParaRPr lang="en-US"/>
           </a:p>
         </p:txBody>
       </p:sp>
@@ -276,10 +290,9 @@
           </a:lstStyle>
           <a:p>
             <a:r>
-              <a:rPr lang="en-US" smtClean="0"/>
+              <a:rPr lang="en-US"/>
               <a:t>Click to edit Master subtitle style</a:t>
             </a:r>
-            <a:endParaRPr lang="en-US"/>
           </a:p>
         </p:txBody>
       </p:sp>
@@ -301,7 +314,7 @@
             <a:fld id="{1D8BD707-D9CF-40AE-B4C6-C98DA3205C09}" type="datetimeFigureOut">
               <a:rPr lang="en-US" smtClean="0"/>
               <a:pPr/>
-              <a:t>2/28/2019</a:t>
+              <a:t>6/17/2019</a:t>
             </a:fld>
             <a:endParaRPr lang="en-US"/>
           </a:p>
@@ -391,10 +404,9 @@
           <a:lstStyle/>
           <a:p>
             <a:r>
-              <a:rPr lang="en-US" smtClean="0"/>
+              <a:rPr lang="en-US"/>
               <a:t>Click to edit Master title style</a:t>
             </a:r>
-            <a:endParaRPr lang="en-US"/>
           </a:p>
         </p:txBody>
       </p:sp>
@@ -415,38 +427,37 @@
           <a:p>
             <a:pPr lvl="0"/>
             <a:r>
-              <a:rPr lang="en-US" smtClean="0"/>
+              <a:rPr lang="en-US"/>
               <a:t>Click to edit Master text styles</a:t>
             </a:r>
           </a:p>
           <a:p>
             <a:pPr lvl="1"/>
             <a:r>
-              <a:rPr lang="en-US" smtClean="0"/>
+              <a:rPr lang="en-US"/>
               <a:t>Second level</a:t>
             </a:r>
           </a:p>
           <a:p>
             <a:pPr lvl="2"/>
             <a:r>
-              <a:rPr lang="en-US" smtClean="0"/>
+              <a:rPr lang="en-US"/>
               <a:t>Third level</a:t>
             </a:r>
           </a:p>
           <a:p>
             <a:pPr lvl="3"/>
             <a:r>
-              <a:rPr lang="en-US" smtClean="0"/>
+              <a:rPr lang="en-US"/>
               <a:t>Fourth level</a:t>
             </a:r>
           </a:p>
           <a:p>
             <a:pPr lvl="4"/>
             <a:r>
-              <a:rPr lang="en-US" smtClean="0"/>
+              <a:rPr lang="en-US"/>
               <a:t>Fifth level</a:t>
             </a:r>
-            <a:endParaRPr lang="en-US"/>
           </a:p>
         </p:txBody>
       </p:sp>
@@ -468,7 +479,7 @@
             <a:fld id="{1D8BD707-D9CF-40AE-B4C6-C98DA3205C09}" type="datetimeFigureOut">
               <a:rPr lang="en-US" smtClean="0"/>
               <a:pPr/>
-              <a:t>2/28/2019</a:t>
+              <a:t>6/17/2019</a:t>
             </a:fld>
             <a:endParaRPr lang="en-US"/>
           </a:p>
@@ -563,10 +574,9 @@
           <a:lstStyle/>
           <a:p>
             <a:r>
-              <a:rPr lang="en-US" smtClean="0"/>
+              <a:rPr lang="en-US"/>
               <a:t>Click to edit Master title style</a:t>
             </a:r>
-            <a:endParaRPr lang="en-US"/>
           </a:p>
         </p:txBody>
       </p:sp>
@@ -592,38 +602,37 @@
           <a:p>
             <a:pPr lvl="0"/>
             <a:r>
-              <a:rPr lang="en-US" smtClean="0"/>
+              <a:rPr lang="en-US"/>
               <a:t>Click to edit Master text styles</a:t>
             </a:r>
           </a:p>
           <a:p>
             <a:pPr lvl="1"/>
             <a:r>
-              <a:rPr lang="en-US" smtClean="0"/>
+              <a:rPr lang="en-US"/>
               <a:t>Second level</a:t>
             </a:r>
           </a:p>
           <a:p>
             <a:pPr lvl="2"/>
             <a:r>
-              <a:rPr lang="en-US" smtClean="0"/>
+              <a:rPr lang="en-US"/>
               <a:t>Third level</a:t>
             </a:r>
           </a:p>
           <a:p>
             <a:pPr lvl="3"/>
             <a:r>
-              <a:rPr lang="en-US" smtClean="0"/>
+              <a:rPr lang="en-US"/>
               <a:t>Fourth level</a:t>
             </a:r>
           </a:p>
           <a:p>
             <a:pPr lvl="4"/>
             <a:r>
-              <a:rPr lang="en-US" smtClean="0"/>
+              <a:rPr lang="en-US"/>
               <a:t>Fifth level</a:t>
             </a:r>
-            <a:endParaRPr lang="en-US"/>
           </a:p>
         </p:txBody>
       </p:sp>
@@ -645,7 +654,7 @@
             <a:fld id="{1D8BD707-D9CF-40AE-B4C6-C98DA3205C09}" type="datetimeFigureOut">
               <a:rPr lang="en-US" smtClean="0"/>
               <a:pPr/>
-              <a:t>2/28/2019</a:t>
+              <a:t>6/17/2019</a:t>
             </a:fld>
             <a:endParaRPr lang="en-US"/>
           </a:p>
@@ -735,10 +744,9 @@
           <a:lstStyle/>
           <a:p>
             <a:r>
-              <a:rPr lang="en-US" smtClean="0"/>
+              <a:rPr lang="en-US"/>
               <a:t>Click to edit Master title style</a:t>
             </a:r>
-            <a:endParaRPr lang="en-US"/>
           </a:p>
         </p:txBody>
       </p:sp>
@@ -759,38 +767,37 @@
           <a:p>
             <a:pPr lvl="0"/>
             <a:r>
-              <a:rPr lang="en-US" smtClean="0"/>
+              <a:rPr lang="en-US"/>
               <a:t>Click to edit Master text styles</a:t>
             </a:r>
           </a:p>
           <a:p>
             <a:pPr lvl="1"/>
             <a:r>
-              <a:rPr lang="en-US" smtClean="0"/>
+              <a:rPr lang="en-US"/>
               <a:t>Second level</a:t>
             </a:r>
           </a:p>
           <a:p>
             <a:pPr lvl="2"/>
             <a:r>
-              <a:rPr lang="en-US" smtClean="0"/>
+              <a:rPr lang="en-US"/>
               <a:t>Third level</a:t>
             </a:r>
           </a:p>
           <a:p>
             <a:pPr lvl="3"/>
             <a:r>
-              <a:rPr lang="en-US" smtClean="0"/>
+              <a:rPr lang="en-US"/>
               <a:t>Fourth level</a:t>
             </a:r>
           </a:p>
           <a:p>
             <a:pPr lvl="4"/>
             <a:r>
-              <a:rPr lang="en-US" smtClean="0"/>
+              <a:rPr lang="en-US"/>
               <a:t>Fifth level</a:t>
             </a:r>
-            <a:endParaRPr lang="en-US"/>
           </a:p>
         </p:txBody>
       </p:sp>
@@ -812,7 +819,7 @@
             <a:fld id="{1D8BD707-D9CF-40AE-B4C6-C98DA3205C09}" type="datetimeFigureOut">
               <a:rPr lang="en-US" smtClean="0"/>
               <a:pPr/>
-              <a:t>2/28/2019</a:t>
+              <a:t>6/17/2019</a:t>
             </a:fld>
             <a:endParaRPr lang="en-US"/>
           </a:p>
@@ -911,10 +918,9 @@
           </a:lstStyle>
           <a:p>
             <a:r>
-              <a:rPr lang="en-US" smtClean="0"/>
+              <a:rPr lang="en-US"/>
               <a:t>Click to edit Master title style</a:t>
             </a:r>
-            <a:endParaRPr lang="en-US"/>
           </a:p>
         </p:txBody>
       </p:sp>
@@ -1031,7 +1037,7 @@
           <a:p>
             <a:pPr lvl="0"/>
             <a:r>
-              <a:rPr lang="en-US" smtClean="0"/>
+              <a:rPr lang="en-US"/>
               <a:t>Click to edit Master text styles</a:t>
             </a:r>
           </a:p>
@@ -1055,7 +1061,7 @@
             <a:fld id="{1D8BD707-D9CF-40AE-B4C6-C98DA3205C09}" type="datetimeFigureOut">
               <a:rPr lang="en-US" smtClean="0"/>
               <a:pPr/>
-              <a:t>2/28/2019</a:t>
+              <a:t>6/17/2019</a:t>
             </a:fld>
             <a:endParaRPr lang="en-US"/>
           </a:p>
@@ -1145,10 +1151,9 @@
           <a:lstStyle/>
           <a:p>
             <a:r>
-              <a:rPr lang="en-US" smtClean="0"/>
+              <a:rPr lang="en-US"/>
               <a:t>Click to edit Master title style</a:t>
             </a:r>
-            <a:endParaRPr lang="en-US"/>
           </a:p>
         </p:txBody>
       </p:sp>
@@ -1202,38 +1207,37 @@
           <a:p>
             <a:pPr lvl="0"/>
             <a:r>
-              <a:rPr lang="en-US" smtClean="0"/>
+              <a:rPr lang="en-US"/>
               <a:t>Click to edit Master text styles</a:t>
             </a:r>
           </a:p>
           <a:p>
             <a:pPr lvl="1"/>
             <a:r>
-              <a:rPr lang="en-US" smtClean="0"/>
+              <a:rPr lang="en-US"/>
               <a:t>Second level</a:t>
             </a:r>
           </a:p>
           <a:p>
             <a:pPr lvl="2"/>
             <a:r>
-              <a:rPr lang="en-US" smtClean="0"/>
+              <a:rPr lang="en-US"/>
               <a:t>Third level</a:t>
             </a:r>
           </a:p>
           <a:p>
             <a:pPr lvl="3"/>
             <a:r>
-              <a:rPr lang="en-US" smtClean="0"/>
+              <a:rPr lang="en-US"/>
               <a:t>Fourth level</a:t>
             </a:r>
           </a:p>
           <a:p>
             <a:pPr lvl="4"/>
             <a:r>
-              <a:rPr lang="en-US" smtClean="0"/>
+              <a:rPr lang="en-US"/>
               <a:t>Fifth level</a:t>
             </a:r>
-            <a:endParaRPr lang="en-US"/>
           </a:p>
         </p:txBody>
       </p:sp>
@@ -1287,38 +1291,37 @@
           <a:p>
             <a:pPr lvl="0"/>
             <a:r>
-              <a:rPr lang="en-US" smtClean="0"/>
+              <a:rPr lang="en-US"/>
               <a:t>Click to edit Master text styles</a:t>
             </a:r>
           </a:p>
           <a:p>
             <a:pPr lvl="1"/>
             <a:r>
-              <a:rPr lang="en-US" smtClean="0"/>
+              <a:rPr lang="en-US"/>
               <a:t>Second level</a:t>
             </a:r>
           </a:p>
           <a:p>
             <a:pPr lvl="2"/>
             <a:r>
-              <a:rPr lang="en-US" smtClean="0"/>
+              <a:rPr lang="en-US"/>
               <a:t>Third level</a:t>
             </a:r>
           </a:p>
           <a:p>
             <a:pPr lvl="3"/>
             <a:r>
-              <a:rPr lang="en-US" smtClean="0"/>
+              <a:rPr lang="en-US"/>
               <a:t>Fourth level</a:t>
             </a:r>
           </a:p>
           <a:p>
             <a:pPr lvl="4"/>
             <a:r>
-              <a:rPr lang="en-US" smtClean="0"/>
+              <a:rPr lang="en-US"/>
               <a:t>Fifth level</a:t>
             </a:r>
-            <a:endParaRPr lang="en-US"/>
           </a:p>
         </p:txBody>
       </p:sp>
@@ -1340,7 +1343,7 @@
             <a:fld id="{1D8BD707-D9CF-40AE-B4C6-C98DA3205C09}" type="datetimeFigureOut">
               <a:rPr lang="en-US" smtClean="0"/>
               <a:pPr/>
-              <a:t>2/28/2019</a:t>
+              <a:t>6/17/2019</a:t>
             </a:fld>
             <a:endParaRPr lang="en-US"/>
           </a:p>
@@ -1434,10 +1437,9 @@
           </a:lstStyle>
           <a:p>
             <a:r>
-              <a:rPr lang="en-US" smtClean="0"/>
+              <a:rPr lang="en-US"/>
               <a:t>Click to edit Master title style</a:t>
             </a:r>
-            <a:endParaRPr lang="en-US"/>
           </a:p>
         </p:txBody>
       </p:sp>
@@ -1500,7 +1502,7 @@
           <a:p>
             <a:pPr lvl="0"/>
             <a:r>
-              <a:rPr lang="en-US" smtClean="0"/>
+              <a:rPr lang="en-US"/>
               <a:t>Click to edit Master text styles</a:t>
             </a:r>
           </a:p>
@@ -1556,38 +1558,37 @@
           <a:p>
             <a:pPr lvl="0"/>
             <a:r>
-              <a:rPr lang="en-US" smtClean="0"/>
+              <a:rPr lang="en-US"/>
               <a:t>Click to edit Master text styles</a:t>
             </a:r>
           </a:p>
           <a:p>
             <a:pPr lvl="1"/>
             <a:r>
-              <a:rPr lang="en-US" smtClean="0"/>
+              <a:rPr lang="en-US"/>
               <a:t>Second level</a:t>
             </a:r>
           </a:p>
           <a:p>
             <a:pPr lvl="2"/>
             <a:r>
-              <a:rPr lang="en-US" smtClean="0"/>
+              <a:rPr lang="en-US"/>
               <a:t>Third level</a:t>
             </a:r>
           </a:p>
           <a:p>
             <a:pPr lvl="3"/>
             <a:r>
-              <a:rPr lang="en-US" smtClean="0"/>
+              <a:rPr lang="en-US"/>
               <a:t>Fourth level</a:t>
             </a:r>
           </a:p>
           <a:p>
             <a:pPr lvl="4"/>
             <a:r>
-              <a:rPr lang="en-US" smtClean="0"/>
+              <a:rPr lang="en-US"/>
               <a:t>Fifth level</a:t>
             </a:r>
-            <a:endParaRPr lang="en-US"/>
           </a:p>
         </p:txBody>
       </p:sp>
@@ -1650,7 +1651,7 @@
           <a:p>
             <a:pPr lvl="0"/>
             <a:r>
-              <a:rPr lang="en-US" smtClean="0"/>
+              <a:rPr lang="en-US"/>
               <a:t>Click to edit Master text styles</a:t>
             </a:r>
           </a:p>
@@ -1706,38 +1707,37 @@
           <a:p>
             <a:pPr lvl="0"/>
             <a:r>
-              <a:rPr lang="en-US" smtClean="0"/>
+              <a:rPr lang="en-US"/>
               <a:t>Click to edit Master text styles</a:t>
             </a:r>
           </a:p>
           <a:p>
             <a:pPr lvl="1"/>
             <a:r>
-              <a:rPr lang="en-US" smtClean="0"/>
+              <a:rPr lang="en-US"/>
               <a:t>Second level</a:t>
             </a:r>
           </a:p>
           <a:p>
             <a:pPr lvl="2"/>
             <a:r>
-              <a:rPr lang="en-US" smtClean="0"/>
+              <a:rPr lang="en-US"/>
               <a:t>Third level</a:t>
             </a:r>
           </a:p>
           <a:p>
             <a:pPr lvl="3"/>
             <a:r>
-              <a:rPr lang="en-US" smtClean="0"/>
+              <a:rPr lang="en-US"/>
               <a:t>Fourth level</a:t>
             </a:r>
           </a:p>
           <a:p>
             <a:pPr lvl="4"/>
             <a:r>
-              <a:rPr lang="en-US" smtClean="0"/>
+              <a:rPr lang="en-US"/>
               <a:t>Fifth level</a:t>
             </a:r>
-            <a:endParaRPr lang="en-US"/>
           </a:p>
         </p:txBody>
       </p:sp>
@@ -1759,7 +1759,7 @@
             <a:fld id="{1D8BD707-D9CF-40AE-B4C6-C98DA3205C09}" type="datetimeFigureOut">
               <a:rPr lang="en-US" smtClean="0"/>
               <a:pPr/>
-              <a:t>2/28/2019</a:t>
+              <a:t>6/17/2019</a:t>
             </a:fld>
             <a:endParaRPr lang="en-US"/>
           </a:p>
@@ -1849,10 +1849,9 @@
           <a:lstStyle/>
           <a:p>
             <a:r>
-              <a:rPr lang="en-US" smtClean="0"/>
+              <a:rPr lang="en-US"/>
               <a:t>Click to edit Master title style</a:t>
             </a:r>
-            <a:endParaRPr lang="en-US"/>
           </a:p>
         </p:txBody>
       </p:sp>
@@ -1874,7 +1873,7 @@
             <a:fld id="{1D8BD707-D9CF-40AE-B4C6-C98DA3205C09}" type="datetimeFigureOut">
               <a:rPr lang="en-US" smtClean="0"/>
               <a:pPr/>
-              <a:t>2/28/2019</a:t>
+              <a:t>6/17/2019</a:t>
             </a:fld>
             <a:endParaRPr lang="en-US"/>
           </a:p>
@@ -1966,7 +1965,7 @@
             <a:fld id="{1D8BD707-D9CF-40AE-B4C6-C98DA3205C09}" type="datetimeFigureOut">
               <a:rPr lang="en-US" smtClean="0"/>
               <a:pPr/>
-              <a:t>2/28/2019</a:t>
+              <a:t>6/17/2019</a:t>
             </a:fld>
             <a:endParaRPr lang="en-US"/>
           </a:p>
@@ -2065,10 +2064,9 @@
           </a:lstStyle>
           <a:p>
             <a:r>
-              <a:rPr lang="en-US" smtClean="0"/>
+              <a:rPr lang="en-US"/>
               <a:t>Click to edit Master title style</a:t>
             </a:r>
-            <a:endParaRPr lang="en-US"/>
           </a:p>
         </p:txBody>
       </p:sp>
@@ -2122,38 +2120,37 @@
           <a:p>
             <a:pPr lvl="0"/>
             <a:r>
-              <a:rPr lang="en-US" smtClean="0"/>
+              <a:rPr lang="en-US"/>
               <a:t>Click to edit Master text styles</a:t>
             </a:r>
           </a:p>
           <a:p>
             <a:pPr lvl="1"/>
             <a:r>
-              <a:rPr lang="en-US" smtClean="0"/>
+              <a:rPr lang="en-US"/>
               <a:t>Second level</a:t>
             </a:r>
           </a:p>
           <a:p>
             <a:pPr lvl="2"/>
             <a:r>
-              <a:rPr lang="en-US" smtClean="0"/>
+              <a:rPr lang="en-US"/>
               <a:t>Third level</a:t>
             </a:r>
           </a:p>
           <a:p>
             <a:pPr lvl="3"/>
             <a:r>
-              <a:rPr lang="en-US" smtClean="0"/>
+              <a:rPr lang="en-US"/>
               <a:t>Fourth level</a:t>
             </a:r>
           </a:p>
           <a:p>
             <a:pPr lvl="4"/>
             <a:r>
-              <a:rPr lang="en-US" smtClean="0"/>
+              <a:rPr lang="en-US"/>
               <a:t>Fifth level</a:t>
             </a:r>
-            <a:endParaRPr lang="en-US"/>
           </a:p>
         </p:txBody>
       </p:sp>
@@ -2216,7 +2213,7 @@
           <a:p>
             <a:pPr lvl="0"/>
             <a:r>
-              <a:rPr lang="en-US" smtClean="0"/>
+              <a:rPr lang="en-US"/>
               <a:t>Click to edit Master text styles</a:t>
             </a:r>
           </a:p>
@@ -2240,7 +2237,7 @@
             <a:fld id="{1D8BD707-D9CF-40AE-B4C6-C98DA3205C09}" type="datetimeFigureOut">
               <a:rPr lang="en-US" smtClean="0"/>
               <a:pPr/>
-              <a:t>2/28/2019</a:t>
+              <a:t>6/17/2019</a:t>
             </a:fld>
             <a:endParaRPr lang="en-US"/>
           </a:p>
@@ -2339,10 +2336,9 @@
           </a:lstStyle>
           <a:p>
             <a:r>
-              <a:rPr lang="en-US" smtClean="0"/>
+              <a:rPr lang="en-US"/>
               <a:t>Click to edit Master title style</a:t>
             </a:r>
-            <a:endParaRPr lang="en-US"/>
           </a:p>
         </p:txBody>
       </p:sp>
@@ -2466,7 +2462,7 @@
           <a:p>
             <a:pPr lvl="0"/>
             <a:r>
-              <a:rPr lang="en-US" smtClean="0"/>
+              <a:rPr lang="en-US"/>
               <a:t>Click to edit Master text styles</a:t>
             </a:r>
           </a:p>
@@ -2490,7 +2486,7 @@
             <a:fld id="{1D8BD707-D9CF-40AE-B4C6-C98DA3205C09}" type="datetimeFigureOut">
               <a:rPr lang="en-US" smtClean="0"/>
               <a:pPr/>
-              <a:t>2/28/2019</a:t>
+              <a:t>6/17/2019</a:t>
             </a:fld>
             <a:endParaRPr lang="en-US"/>
           </a:p>
@@ -2595,10 +2591,9 @@
           <a:lstStyle/>
           <a:p>
             <a:r>
-              <a:rPr lang="en-US" smtClean="0"/>
+              <a:rPr lang="en-US"/>
               <a:t>Click to edit Master title style</a:t>
             </a:r>
-            <a:endParaRPr lang="en-US"/>
           </a:p>
         </p:txBody>
       </p:sp>
@@ -2629,38 +2624,37 @@
           <a:p>
             <a:pPr lvl="0"/>
             <a:r>
-              <a:rPr lang="en-US" smtClean="0"/>
+              <a:rPr lang="en-US"/>
               <a:t>Click to edit Master text styles</a:t>
             </a:r>
           </a:p>
           <a:p>
             <a:pPr lvl="1"/>
             <a:r>
-              <a:rPr lang="en-US" smtClean="0"/>
+              <a:rPr lang="en-US"/>
               <a:t>Second level</a:t>
             </a:r>
           </a:p>
           <a:p>
             <a:pPr lvl="2"/>
             <a:r>
-              <a:rPr lang="en-US" smtClean="0"/>
+              <a:rPr lang="en-US"/>
               <a:t>Third level</a:t>
             </a:r>
           </a:p>
           <a:p>
             <a:pPr lvl="3"/>
             <a:r>
-              <a:rPr lang="en-US" smtClean="0"/>
+              <a:rPr lang="en-US"/>
               <a:t>Fourth level</a:t>
             </a:r>
           </a:p>
           <a:p>
             <a:pPr lvl="4"/>
             <a:r>
-              <a:rPr lang="en-US" smtClean="0"/>
+              <a:rPr lang="en-US"/>
               <a:t>Fifth level</a:t>
             </a:r>
-            <a:endParaRPr lang="en-US"/>
           </a:p>
         </p:txBody>
       </p:sp>
@@ -2700,7 +2694,7 @@
             <a:fld id="{1D8BD707-D9CF-40AE-B4C6-C98DA3205C09}" type="datetimeFigureOut">
               <a:rPr lang="en-US" smtClean="0"/>
               <a:pPr/>
-              <a:t>2/28/2019</a:t>
+              <a:t>6/17/2019</a:t>
             </a:fld>
             <a:endParaRPr lang="en-US"/>
           </a:p>
@@ -3071,901 +3065,6 @@
           <a:chExt cx="0" cy="0"/>
         </a:xfrm>
       </p:grpSpPr>
-    </p:spTree>
-    <p:extLst>
-      <p:ext uri="{BB962C8B-B14F-4D97-AF65-F5344CB8AC3E}">
-        <p14:creationId xmlns:p14="http://schemas.microsoft.com/office/powerpoint/2010/main" val="3963017352"/>
-      </p:ext>
-    </p:extLst>
-  </p:cSld>
-  <p:clrMapOvr>
-    <a:masterClrMapping/>
-  </p:clrMapOvr>
-</p:sld>
-</file>
-
-<file path=ppt/slides/slide10.xml><?xml version="1.0" encoding="utf-8"?>
-<p:sld xmlns:a="http://schemas.openxmlformats.org/drawingml/2006/main" xmlns:r="http://schemas.openxmlformats.org/officeDocument/2006/relationships" xmlns:p="http://schemas.openxmlformats.org/presentationml/2006/main">
-  <p:cSld>
-    <p:spTree>
-      <p:nvGrpSpPr>
-        <p:cNvPr id="1" name=""/>
-        <p:cNvGrpSpPr/>
-        <p:nvPr/>
-      </p:nvGrpSpPr>
-      <p:grpSpPr>
-        <a:xfrm>
-          <a:off x="0" y="0"/>
-          <a:ext cx="0" cy="0"/>
-          <a:chOff x="0" y="0"/>
-          <a:chExt cx="0" cy="0"/>
-        </a:xfrm>
-      </p:grpSpPr>
-      <p:sp>
-        <p:nvSpPr>
-          <p:cNvPr id="2" name="Title 1"/>
-          <p:cNvSpPr>
-            <a:spLocks noGrp="1"/>
-          </p:cNvSpPr>
-          <p:nvPr>
-            <p:ph type="title"/>
-          </p:nvPr>
-        </p:nvSpPr>
-        <p:spPr>
-          <a:xfrm>
-            <a:off x="457200" y="274638"/>
-            <a:ext cx="8229600" cy="334962"/>
-          </a:xfrm>
-        </p:spPr>
-        <p:txBody>
-          <a:bodyPr>
-            <a:noAutofit/>
-          </a:bodyPr>
-          <a:lstStyle/>
-          <a:p>
-            <a:r>
-              <a:rPr lang="en-IN" sz="3200" b="1" dirty="0"/>
-              <a:t>Overloading Constructors</a:t>
-            </a:r>
-            <a:endParaRPr lang="en-IN" sz="3200" dirty="0"/>
-          </a:p>
-        </p:txBody>
-      </p:sp>
-      <p:sp>
-        <p:nvSpPr>
-          <p:cNvPr id="3" name="Content Placeholder 2"/>
-          <p:cNvSpPr>
-            <a:spLocks noGrp="1"/>
-          </p:cNvSpPr>
-          <p:nvPr>
-            <p:ph idx="1"/>
-          </p:nvPr>
-        </p:nvSpPr>
-        <p:spPr>
-          <a:xfrm>
-            <a:off x="457200" y="914400"/>
-            <a:ext cx="8229600" cy="5791200"/>
-          </a:xfrm>
-        </p:spPr>
-        <p:txBody>
-          <a:bodyPr>
-            <a:noAutofit/>
-          </a:bodyPr>
-          <a:lstStyle/>
-          <a:p>
-            <a:pPr marL="0" indent="0">
-              <a:buNone/>
-            </a:pPr>
-            <a:r>
-              <a:rPr lang="en-US" sz="2400" dirty="0"/>
-              <a:t>/* Here, Box defines three constructors to </a:t>
-            </a:r>
-            <a:r>
-              <a:rPr lang="en-US" sz="2400" dirty="0" smtClean="0"/>
-              <a:t>initialize the </a:t>
-            </a:r>
-            <a:r>
-              <a:rPr lang="en-US" sz="2400" dirty="0"/>
-              <a:t>dimensions of a box various ways</a:t>
-            </a:r>
-            <a:r>
-              <a:rPr lang="en-US" sz="2400" dirty="0" smtClean="0"/>
-              <a:t>. </a:t>
-            </a:r>
-            <a:r>
-              <a:rPr lang="en-IN" sz="2400" dirty="0" smtClean="0"/>
-              <a:t>*/</a:t>
-            </a:r>
-            <a:endParaRPr lang="en-IN" sz="2400" dirty="0"/>
-          </a:p>
-          <a:p>
-            <a:pPr marL="0" indent="0">
-              <a:buNone/>
-            </a:pPr>
-            <a:r>
-              <a:rPr lang="en-IN" sz="2400" dirty="0"/>
-              <a:t>class Box {</a:t>
-            </a:r>
-          </a:p>
-          <a:p>
-            <a:pPr marL="0" indent="0">
-              <a:buNone/>
-            </a:pPr>
-            <a:r>
-              <a:rPr lang="en-IN" sz="2400" dirty="0" smtClean="0"/>
-              <a:t>	double </a:t>
-            </a:r>
-            <a:r>
-              <a:rPr lang="en-IN" sz="2400" dirty="0"/>
-              <a:t>width;</a:t>
-            </a:r>
-          </a:p>
-          <a:p>
-            <a:pPr marL="0" indent="0">
-              <a:buNone/>
-            </a:pPr>
-            <a:r>
-              <a:rPr lang="en-IN" sz="2400" dirty="0" smtClean="0"/>
-              <a:t>	double </a:t>
-            </a:r>
-            <a:r>
-              <a:rPr lang="en-IN" sz="2400" dirty="0"/>
-              <a:t>height;</a:t>
-            </a:r>
-          </a:p>
-          <a:p>
-            <a:pPr marL="0" indent="0">
-              <a:buNone/>
-            </a:pPr>
-            <a:r>
-              <a:rPr lang="en-IN" sz="2400" dirty="0" smtClean="0"/>
-              <a:t>	double </a:t>
-            </a:r>
-            <a:r>
-              <a:rPr lang="en-IN" sz="2400" dirty="0"/>
-              <a:t>depth;</a:t>
-            </a:r>
-          </a:p>
-          <a:p>
-            <a:pPr marL="0" indent="0">
-              <a:buNone/>
-            </a:pPr>
-            <a:r>
-              <a:rPr lang="en-US" sz="2400" dirty="0" smtClean="0"/>
-              <a:t>	// </a:t>
-            </a:r>
-            <a:r>
-              <a:rPr lang="en-US" sz="2400" dirty="0"/>
-              <a:t>constructor used when all dimensions specified</a:t>
-            </a:r>
-          </a:p>
-          <a:p>
-            <a:pPr marL="0" indent="0">
-              <a:buNone/>
-            </a:pPr>
-            <a:r>
-              <a:rPr lang="fr-FR" sz="2400" dirty="0" smtClean="0"/>
-              <a:t>	</a:t>
-            </a:r>
-            <a:r>
-              <a:rPr lang="fr-FR" sz="2400" dirty="0" smtClean="0">
-                <a:solidFill>
-                  <a:srgbClr val="C00000"/>
-                </a:solidFill>
-              </a:rPr>
-              <a:t>Box(double </a:t>
-            </a:r>
-            <a:r>
-              <a:rPr lang="fr-FR" sz="2400" dirty="0">
-                <a:solidFill>
-                  <a:srgbClr val="C00000"/>
-                </a:solidFill>
-              </a:rPr>
-              <a:t>w, double h, double d) {</a:t>
-            </a:r>
-          </a:p>
-          <a:p>
-            <a:pPr marL="0" indent="0">
-              <a:buNone/>
-            </a:pPr>
-            <a:r>
-              <a:rPr lang="en-IN" sz="2400" dirty="0" smtClean="0">
-                <a:solidFill>
-                  <a:srgbClr val="C00000"/>
-                </a:solidFill>
-              </a:rPr>
-              <a:t>		width </a:t>
-            </a:r>
-            <a:r>
-              <a:rPr lang="en-IN" sz="2400" dirty="0">
-                <a:solidFill>
-                  <a:srgbClr val="C00000"/>
-                </a:solidFill>
-              </a:rPr>
-              <a:t>= w;</a:t>
-            </a:r>
-          </a:p>
-          <a:p>
-            <a:pPr marL="0" indent="0">
-              <a:buNone/>
-            </a:pPr>
-            <a:r>
-              <a:rPr lang="en-IN" sz="2400" dirty="0" smtClean="0">
-                <a:solidFill>
-                  <a:srgbClr val="C00000"/>
-                </a:solidFill>
-              </a:rPr>
-              <a:t>		height </a:t>
-            </a:r>
-            <a:r>
-              <a:rPr lang="en-IN" sz="2400" dirty="0">
-                <a:solidFill>
-                  <a:srgbClr val="C00000"/>
-                </a:solidFill>
-              </a:rPr>
-              <a:t>= h;</a:t>
-            </a:r>
-          </a:p>
-          <a:p>
-            <a:pPr marL="0" indent="0">
-              <a:buNone/>
-            </a:pPr>
-            <a:r>
-              <a:rPr lang="en-IN" sz="2400" dirty="0" smtClean="0">
-                <a:solidFill>
-                  <a:srgbClr val="C00000"/>
-                </a:solidFill>
-              </a:rPr>
-              <a:t>		depth </a:t>
-            </a:r>
-            <a:r>
-              <a:rPr lang="en-IN" sz="2400" dirty="0">
-                <a:solidFill>
-                  <a:srgbClr val="C00000"/>
-                </a:solidFill>
-              </a:rPr>
-              <a:t>= d;</a:t>
-            </a:r>
-          </a:p>
-          <a:p>
-            <a:pPr marL="0" indent="0">
-              <a:buNone/>
-            </a:pPr>
-            <a:r>
-              <a:rPr lang="en-IN" sz="2400" dirty="0" smtClean="0">
-                <a:solidFill>
-                  <a:srgbClr val="C00000"/>
-                </a:solidFill>
-              </a:rPr>
-              <a:t>	}</a:t>
-            </a:r>
-            <a:endParaRPr lang="en-IN" sz="2400" dirty="0">
-              <a:solidFill>
-                <a:srgbClr val="C00000"/>
-              </a:solidFill>
-            </a:endParaRPr>
-          </a:p>
-        </p:txBody>
-      </p:sp>
-    </p:spTree>
-    <p:extLst>
-      <p:ext uri="{BB962C8B-B14F-4D97-AF65-F5344CB8AC3E}">
-        <p14:creationId xmlns:p14="http://schemas.microsoft.com/office/powerpoint/2010/main" val="1336613294"/>
-      </p:ext>
-    </p:extLst>
-  </p:cSld>
-  <p:clrMapOvr>
-    <a:masterClrMapping/>
-  </p:clrMapOvr>
-</p:sld>
-</file>
-
-<file path=ppt/slides/slide11.xml><?xml version="1.0" encoding="utf-8"?>
-<p:sld xmlns:a="http://schemas.openxmlformats.org/drawingml/2006/main" xmlns:r="http://schemas.openxmlformats.org/officeDocument/2006/relationships" xmlns:p="http://schemas.openxmlformats.org/presentationml/2006/main">
-  <p:cSld>
-    <p:spTree>
-      <p:nvGrpSpPr>
-        <p:cNvPr id="1" name=""/>
-        <p:cNvGrpSpPr/>
-        <p:nvPr/>
-      </p:nvGrpSpPr>
-      <p:grpSpPr>
-        <a:xfrm>
-          <a:off x="0" y="0"/>
-          <a:ext cx="0" cy="0"/>
-          <a:chOff x="0" y="0"/>
-          <a:chExt cx="0" cy="0"/>
-        </a:xfrm>
-      </p:grpSpPr>
-      <p:sp>
-        <p:nvSpPr>
-          <p:cNvPr id="3" name="Content Placeholder 2"/>
-          <p:cNvSpPr>
-            <a:spLocks noGrp="1"/>
-          </p:cNvSpPr>
-          <p:nvPr>
-            <p:ph idx="1"/>
-          </p:nvPr>
-        </p:nvSpPr>
-        <p:spPr>
-          <a:xfrm>
-            <a:off x="457200" y="304800"/>
-            <a:ext cx="8229600" cy="6172200"/>
-          </a:xfrm>
-        </p:spPr>
-        <p:txBody>
-          <a:bodyPr>
-            <a:normAutofit fontScale="77500" lnSpcReduction="20000"/>
-          </a:bodyPr>
-          <a:lstStyle/>
-          <a:p>
-            <a:pPr marL="0" indent="0">
-              <a:buNone/>
-            </a:pPr>
-            <a:r>
-              <a:rPr lang="en-US" dirty="0" smtClean="0"/>
-              <a:t>	// </a:t>
-            </a:r>
-            <a:r>
-              <a:rPr lang="en-US" dirty="0"/>
-              <a:t>constructor used when no dimensions specified</a:t>
-            </a:r>
-          </a:p>
-          <a:p>
-            <a:pPr marL="0" indent="0">
-              <a:buNone/>
-            </a:pPr>
-            <a:r>
-              <a:rPr lang="en-IN" dirty="0" smtClean="0"/>
-              <a:t>	</a:t>
-            </a:r>
-            <a:r>
-              <a:rPr lang="en-IN" dirty="0" smtClean="0">
-                <a:solidFill>
-                  <a:srgbClr val="002060"/>
-                </a:solidFill>
-              </a:rPr>
-              <a:t>Box</a:t>
-            </a:r>
-            <a:r>
-              <a:rPr lang="en-IN" dirty="0">
-                <a:solidFill>
-                  <a:srgbClr val="002060"/>
-                </a:solidFill>
-              </a:rPr>
-              <a:t>() {</a:t>
-            </a:r>
-          </a:p>
-          <a:p>
-            <a:pPr marL="0" indent="0">
-              <a:buNone/>
-            </a:pPr>
-            <a:r>
-              <a:rPr lang="en-US" dirty="0" smtClean="0">
-                <a:solidFill>
-                  <a:srgbClr val="002060"/>
-                </a:solidFill>
-              </a:rPr>
-              <a:t>		width </a:t>
-            </a:r>
-            <a:r>
-              <a:rPr lang="en-US" dirty="0">
-                <a:solidFill>
-                  <a:srgbClr val="002060"/>
-                </a:solidFill>
-              </a:rPr>
-              <a:t>= -1; // use -1 to indicate</a:t>
-            </a:r>
-          </a:p>
-          <a:p>
-            <a:pPr marL="0" indent="0">
-              <a:buNone/>
-            </a:pPr>
-            <a:r>
-              <a:rPr lang="en-IN" dirty="0" smtClean="0">
-                <a:solidFill>
-                  <a:srgbClr val="002060"/>
-                </a:solidFill>
-              </a:rPr>
-              <a:t>		height </a:t>
-            </a:r>
-            <a:r>
-              <a:rPr lang="en-IN" dirty="0">
-                <a:solidFill>
-                  <a:srgbClr val="002060"/>
-                </a:solidFill>
-              </a:rPr>
-              <a:t>= -1; // an uninitialized</a:t>
-            </a:r>
-          </a:p>
-          <a:p>
-            <a:pPr marL="0" indent="0">
-              <a:buNone/>
-            </a:pPr>
-            <a:r>
-              <a:rPr lang="en-IN" dirty="0" smtClean="0">
-                <a:solidFill>
-                  <a:srgbClr val="002060"/>
-                </a:solidFill>
-              </a:rPr>
-              <a:t>		depth </a:t>
-            </a:r>
-            <a:r>
-              <a:rPr lang="en-IN" dirty="0">
-                <a:solidFill>
-                  <a:srgbClr val="002060"/>
-                </a:solidFill>
-              </a:rPr>
-              <a:t>= -1; // box</a:t>
-            </a:r>
-          </a:p>
-          <a:p>
-            <a:pPr marL="0" indent="0">
-              <a:buNone/>
-            </a:pPr>
-            <a:r>
-              <a:rPr lang="en-IN" dirty="0" smtClean="0">
-                <a:solidFill>
-                  <a:srgbClr val="002060"/>
-                </a:solidFill>
-              </a:rPr>
-              <a:t>	}</a:t>
-            </a:r>
-            <a:endParaRPr lang="en-IN" dirty="0">
-              <a:solidFill>
-                <a:srgbClr val="002060"/>
-              </a:solidFill>
-            </a:endParaRPr>
-          </a:p>
-          <a:p>
-            <a:pPr marL="0" indent="0">
-              <a:buNone/>
-            </a:pPr>
-            <a:r>
-              <a:rPr lang="en-US" dirty="0" smtClean="0"/>
-              <a:t>	// </a:t>
-            </a:r>
-            <a:r>
-              <a:rPr lang="en-US" dirty="0"/>
-              <a:t>constructor used when cube is created</a:t>
-            </a:r>
-          </a:p>
-          <a:p>
-            <a:pPr marL="0" indent="0">
-              <a:buNone/>
-            </a:pPr>
-            <a:r>
-              <a:rPr lang="en-IN" dirty="0" smtClean="0"/>
-              <a:t>	</a:t>
-            </a:r>
-            <a:r>
-              <a:rPr lang="en-IN" dirty="0" smtClean="0">
-                <a:solidFill>
-                  <a:srgbClr val="7030A0"/>
-                </a:solidFill>
-              </a:rPr>
-              <a:t>Box(double </a:t>
-            </a:r>
-            <a:r>
-              <a:rPr lang="en-IN" dirty="0" err="1">
-                <a:solidFill>
-                  <a:srgbClr val="7030A0"/>
-                </a:solidFill>
-              </a:rPr>
-              <a:t>len</a:t>
-            </a:r>
-            <a:r>
-              <a:rPr lang="en-IN" dirty="0">
-                <a:solidFill>
-                  <a:srgbClr val="7030A0"/>
-                </a:solidFill>
-              </a:rPr>
-              <a:t>) {</a:t>
-            </a:r>
-          </a:p>
-          <a:p>
-            <a:pPr marL="0" indent="0">
-              <a:buNone/>
-            </a:pPr>
-            <a:r>
-              <a:rPr lang="en-IN" dirty="0" smtClean="0">
-                <a:solidFill>
-                  <a:srgbClr val="7030A0"/>
-                </a:solidFill>
-              </a:rPr>
-              <a:t>		width </a:t>
-            </a:r>
-            <a:r>
-              <a:rPr lang="en-IN" dirty="0">
-                <a:solidFill>
-                  <a:srgbClr val="7030A0"/>
-                </a:solidFill>
-              </a:rPr>
-              <a:t>= height = depth = </a:t>
-            </a:r>
-            <a:r>
-              <a:rPr lang="en-IN" dirty="0" err="1">
-                <a:solidFill>
-                  <a:srgbClr val="7030A0"/>
-                </a:solidFill>
-              </a:rPr>
-              <a:t>len</a:t>
-            </a:r>
-            <a:r>
-              <a:rPr lang="en-IN" dirty="0">
-                <a:solidFill>
-                  <a:srgbClr val="7030A0"/>
-                </a:solidFill>
-              </a:rPr>
-              <a:t>;</a:t>
-            </a:r>
-          </a:p>
-          <a:p>
-            <a:pPr marL="0" indent="0">
-              <a:buNone/>
-            </a:pPr>
-            <a:r>
-              <a:rPr lang="en-IN" dirty="0" smtClean="0">
-                <a:solidFill>
-                  <a:srgbClr val="7030A0"/>
-                </a:solidFill>
-              </a:rPr>
-              <a:t>	}</a:t>
-            </a:r>
-            <a:endParaRPr lang="en-IN" dirty="0">
-              <a:solidFill>
-                <a:srgbClr val="7030A0"/>
-              </a:solidFill>
-            </a:endParaRPr>
-          </a:p>
-          <a:p>
-            <a:pPr marL="0" indent="0">
-              <a:buNone/>
-            </a:pPr>
-            <a:r>
-              <a:rPr lang="en-IN" dirty="0" smtClean="0"/>
-              <a:t>	// </a:t>
-            </a:r>
-            <a:r>
-              <a:rPr lang="en-IN" dirty="0"/>
-              <a:t>compute and return volume</a:t>
-            </a:r>
-          </a:p>
-          <a:p>
-            <a:pPr marL="0" indent="0">
-              <a:buNone/>
-            </a:pPr>
-            <a:r>
-              <a:rPr lang="en-IN" dirty="0" smtClean="0"/>
-              <a:t>	double </a:t>
-            </a:r>
-            <a:r>
-              <a:rPr lang="en-IN" dirty="0"/>
-              <a:t>volume() {</a:t>
-            </a:r>
-          </a:p>
-          <a:p>
-            <a:pPr marL="0" indent="0">
-              <a:buNone/>
-            </a:pPr>
-            <a:r>
-              <a:rPr lang="en-IN" dirty="0" smtClean="0"/>
-              <a:t>		return </a:t>
-            </a:r>
-            <a:r>
-              <a:rPr lang="en-IN" dirty="0"/>
-              <a:t>width * height * depth;</a:t>
-            </a:r>
-          </a:p>
-          <a:p>
-            <a:pPr marL="0" indent="0">
-              <a:buNone/>
-            </a:pPr>
-            <a:r>
-              <a:rPr lang="en-IN" dirty="0" smtClean="0"/>
-              <a:t>	}</a:t>
-            </a:r>
-            <a:endParaRPr lang="en-IN" dirty="0"/>
-          </a:p>
-          <a:p>
-            <a:pPr marL="0" indent="0">
-              <a:buNone/>
-            </a:pPr>
-            <a:r>
-              <a:rPr lang="en-IN" dirty="0"/>
-              <a:t>}</a:t>
-            </a:r>
-          </a:p>
-          <a:p>
-            <a:endParaRPr lang="en-IN" dirty="0"/>
-          </a:p>
-        </p:txBody>
-      </p:sp>
-    </p:spTree>
-    <p:extLst>
-      <p:ext uri="{BB962C8B-B14F-4D97-AF65-F5344CB8AC3E}">
-        <p14:creationId xmlns:p14="http://schemas.microsoft.com/office/powerpoint/2010/main" val="1674204588"/>
-      </p:ext>
-    </p:extLst>
-  </p:cSld>
-  <p:clrMapOvr>
-    <a:masterClrMapping/>
-  </p:clrMapOvr>
-  <p:timing>
-    <p:tnLst>
-      <p:par>
-        <p:cTn id="1" dur="indefinite" restart="never" nodeType="tmRoot"/>
-      </p:par>
-    </p:tnLst>
-  </p:timing>
-</p:sld>
-</file>
-
-<file path=ppt/slides/slide12.xml><?xml version="1.0" encoding="utf-8"?>
-<p:sld xmlns:a="http://schemas.openxmlformats.org/drawingml/2006/main" xmlns:r="http://schemas.openxmlformats.org/officeDocument/2006/relationships" xmlns:p="http://schemas.openxmlformats.org/presentationml/2006/main">
-  <p:cSld>
-    <p:spTree>
-      <p:nvGrpSpPr>
-        <p:cNvPr id="1" name=""/>
-        <p:cNvGrpSpPr/>
-        <p:nvPr/>
-      </p:nvGrpSpPr>
-      <p:grpSpPr>
-        <a:xfrm>
-          <a:off x="0" y="0"/>
-          <a:ext cx="0" cy="0"/>
-          <a:chOff x="0" y="0"/>
-          <a:chExt cx="0" cy="0"/>
-        </a:xfrm>
-      </p:grpSpPr>
-      <p:sp>
-        <p:nvSpPr>
-          <p:cNvPr id="3" name="Content Placeholder 2"/>
-          <p:cNvSpPr>
-            <a:spLocks noGrp="1"/>
-          </p:cNvSpPr>
-          <p:nvPr>
-            <p:ph idx="1"/>
-          </p:nvPr>
-        </p:nvSpPr>
-        <p:spPr/>
-        <p:txBody>
-          <a:bodyPr/>
-          <a:lstStyle/>
-          <a:p>
-            <a:pPr marL="0" indent="0">
-              <a:buNone/>
-            </a:pPr>
-            <a:r>
-              <a:rPr lang="en-US" dirty="0">
-                <a:solidFill>
-                  <a:srgbClr val="C00000"/>
-                </a:solidFill>
-              </a:rPr>
-              <a:t>Box mybox1 = new Box(10, 20, 15);</a:t>
-            </a:r>
-          </a:p>
-          <a:p>
-            <a:pPr marL="0" indent="0">
-              <a:buNone/>
-            </a:pPr>
-            <a:r>
-              <a:rPr lang="en-IN" dirty="0">
-                <a:solidFill>
-                  <a:srgbClr val="002060"/>
-                </a:solidFill>
-              </a:rPr>
-              <a:t>Box mybox2 = new Box();</a:t>
-            </a:r>
-          </a:p>
-          <a:p>
-            <a:pPr marL="0" indent="0">
-              <a:buNone/>
-            </a:pPr>
-            <a:r>
-              <a:rPr lang="en-IN" dirty="0">
-                <a:solidFill>
-                  <a:srgbClr val="7030A0"/>
-                </a:solidFill>
-              </a:rPr>
-              <a:t>Box </a:t>
-            </a:r>
-            <a:r>
-              <a:rPr lang="en-IN" dirty="0" err="1">
-                <a:solidFill>
-                  <a:srgbClr val="7030A0"/>
-                </a:solidFill>
-              </a:rPr>
-              <a:t>mycube</a:t>
-            </a:r>
-            <a:r>
-              <a:rPr lang="en-IN" dirty="0">
-                <a:solidFill>
-                  <a:srgbClr val="7030A0"/>
-                </a:solidFill>
-              </a:rPr>
-              <a:t> = new Box(7)</a:t>
-            </a:r>
-            <a:r>
-              <a:rPr lang="en-IN" dirty="0"/>
-              <a:t>;</a:t>
-            </a:r>
-            <a:endParaRPr lang="en-IN" dirty="0"/>
-          </a:p>
-        </p:txBody>
-      </p:sp>
-    </p:spTree>
-    <p:extLst>
-      <p:ext uri="{BB962C8B-B14F-4D97-AF65-F5344CB8AC3E}">
-        <p14:creationId xmlns:p14="http://schemas.microsoft.com/office/powerpoint/2010/main" val="3900657169"/>
-      </p:ext>
-    </p:extLst>
-  </p:cSld>
-  <p:clrMapOvr>
-    <a:masterClrMapping/>
-  </p:clrMapOvr>
-  <p:timing>
-    <p:tnLst>
-      <p:par>
-        <p:cTn id="1" dur="indefinite" restart="never" nodeType="tmRoot"/>
-      </p:par>
-    </p:tnLst>
-  </p:timing>
-</p:sld>
-</file>
-
-<file path=ppt/slides/slide13.xml><?xml version="1.0" encoding="utf-8"?>
-<p:sld xmlns:a="http://schemas.openxmlformats.org/drawingml/2006/main" xmlns:r="http://schemas.openxmlformats.org/officeDocument/2006/relationships" xmlns:p="http://schemas.openxmlformats.org/presentationml/2006/main">
-  <p:cSld>
-    <p:spTree>
-      <p:nvGrpSpPr>
-        <p:cNvPr id="1" name=""/>
-        <p:cNvGrpSpPr/>
-        <p:nvPr/>
-      </p:nvGrpSpPr>
-      <p:grpSpPr>
-        <a:xfrm>
-          <a:off x="0" y="0"/>
-          <a:ext cx="0" cy="0"/>
-          <a:chOff x="0" y="0"/>
-          <a:chExt cx="0" cy="0"/>
-        </a:xfrm>
-      </p:grpSpPr>
-      <p:sp>
-        <p:nvSpPr>
-          <p:cNvPr id="2" name="Title 1"/>
-          <p:cNvSpPr>
-            <a:spLocks noGrp="1"/>
-          </p:cNvSpPr>
-          <p:nvPr>
-            <p:ph type="title"/>
-          </p:nvPr>
-        </p:nvSpPr>
-        <p:spPr>
-          <a:xfrm>
-            <a:off x="457200" y="274638"/>
-            <a:ext cx="8229600" cy="487362"/>
-          </a:xfrm>
-        </p:spPr>
-        <p:txBody>
-          <a:bodyPr>
-            <a:noAutofit/>
-          </a:bodyPr>
-          <a:lstStyle/>
-          <a:p>
-            <a:r>
-              <a:rPr lang="en-IN" sz="2800" b="1" dirty="0"/>
-              <a:t>Using Objects as Parameters</a:t>
-            </a:r>
-            <a:endParaRPr lang="en-IN" sz="2800" dirty="0"/>
-          </a:p>
-        </p:txBody>
-      </p:sp>
-      <p:pic>
-        <p:nvPicPr>
-          <p:cNvPr id="6" name="Picture 2">
-            <a:hlinkClick r:id="rId2" action="ppaction://hlinkfile"/>
-          </p:cNvPr>
-          <p:cNvPicPr>
-            <a:picLocks noGrp="1" noChangeAspect="1" noChangeArrowheads="1"/>
-          </p:cNvPicPr>
-          <p:nvPr>
-            <p:ph idx="1"/>
-          </p:nvPr>
-        </p:nvPicPr>
-        <p:blipFill>
-          <a:blip r:embed="rId3">
-            <a:extLst>
-              <a:ext uri="{28A0092B-C50C-407E-A947-70E740481C1C}">
-                <a14:useLocalDpi xmlns:a14="http://schemas.microsoft.com/office/drawing/2010/main" val="0"/>
-              </a:ext>
-            </a:extLst>
-          </a:blip>
-          <a:srcRect/>
-          <a:stretch>
-            <a:fillRect/>
-          </a:stretch>
-        </p:blipFill>
-        <p:spPr bwMode="auto">
-          <a:xfrm>
-            <a:off x="304800" y="838200"/>
-            <a:ext cx="6858000" cy="5638800"/>
-          </a:xfrm>
-          <a:prstGeom prst="rect">
-            <a:avLst/>
-          </a:prstGeom>
-          <a:noFill/>
-          <a:ln>
-            <a:noFill/>
-          </a:ln>
-          <a:effectLst/>
-          <a:extLst>
-            <a:ext uri="{909E8E84-426E-40DD-AFC4-6F175D3DCCD1}">
-              <a14:hiddenFill xmlns:a14="http://schemas.microsoft.com/office/drawing/2010/main">
-                <a:solidFill>
-                  <a:schemeClr val="accent1"/>
-                </a:solidFill>
-              </a14:hiddenFill>
-            </a:ext>
-            <a:ext uri="{91240B29-F687-4F45-9708-019B960494DF}">
-              <a14:hiddenLine xmlns:a14="http://schemas.microsoft.com/office/drawing/2010/main" w="9525">
-                <a:solidFill>
-                  <a:schemeClr val="tx1"/>
-                </a:solidFill>
-                <a:miter lim="800000"/>
-                <a:headEnd/>
-                <a:tailEnd/>
-              </a14:hiddenLine>
-            </a:ext>
-            <a:ext uri="{AF507438-7753-43E0-B8FC-AC1667EBCBE1}">
-              <a14:hiddenEffects xmlns:a14="http://schemas.microsoft.com/office/drawing/2010/main">
-                <a:effectLst>
-                  <a:outerShdw dist="35921" dir="2700000" algn="ctr" rotWithShape="0">
-                    <a:schemeClr val="bg2"/>
-                  </a:outerShdw>
-                </a:effectLst>
-              </a14:hiddenEffects>
-            </a:ext>
-          </a:extLst>
-        </p:spPr>
-      </p:pic>
-    </p:spTree>
-    <p:extLst>
-      <p:ext uri="{BB962C8B-B14F-4D97-AF65-F5344CB8AC3E}">
-        <p14:creationId xmlns:p14="http://schemas.microsoft.com/office/powerpoint/2010/main" val="2771698757"/>
-      </p:ext>
-    </p:extLst>
-  </p:cSld>
-  <p:clrMapOvr>
-    <a:masterClrMapping/>
-  </p:clrMapOvr>
-  <p:timing>
-    <p:tnLst>
-      <p:par>
-        <p:cTn id="1" dur="indefinite" restart="never" nodeType="tmRoot"/>
-      </p:par>
-    </p:tnLst>
-  </p:timing>
-</p:sld>
-</file>
-
-<file path=ppt/slides/slide2.xml><?xml version="1.0" encoding="utf-8"?>
-<p:sld xmlns:a="http://schemas.openxmlformats.org/drawingml/2006/main" xmlns:r="http://schemas.openxmlformats.org/officeDocument/2006/relationships" xmlns:p="http://schemas.openxmlformats.org/presentationml/2006/main">
-  <p:cSld>
-    <p:spTree>
-      <p:nvGrpSpPr>
-        <p:cNvPr id="1" name=""/>
-        <p:cNvGrpSpPr/>
-        <p:nvPr/>
-      </p:nvGrpSpPr>
-      <p:grpSpPr>
-        <a:xfrm>
-          <a:off x="0" y="0"/>
-          <a:ext cx="0" cy="0"/>
-          <a:chOff x="0" y="0"/>
-          <a:chExt cx="0" cy="0"/>
-        </a:xfrm>
-      </p:grpSpPr>
       <p:sp>
         <p:nvSpPr>
           <p:cNvPr id="2" name="Title 1"/>
@@ -4017,19 +3116,7 @@
           <a:p>
             <a:r>
               <a:rPr lang="en-US" sz="2000" b="1" dirty="0"/>
-              <a:t>The </a:t>
-            </a:r>
-            <a:r>
-              <a:rPr lang="en-US" sz="2000" b="1" dirty="0" smtClean="0"/>
-              <a:t>General </a:t>
-            </a:r>
-            <a:r>
-              <a:rPr lang="en-US" sz="2000" b="1" dirty="0"/>
-              <a:t>Form of a </a:t>
-            </a:r>
-            <a:r>
-              <a:rPr lang="en-US" sz="2000" b="1" dirty="0" smtClean="0"/>
-              <a:t>Class</a:t>
+              <a:t>The General Form of a Class</a:t>
             </a:r>
           </a:p>
           <a:p>
@@ -4175,17 +3262,506 @@
   <p:clrMapOvr>
     <a:masterClrMapping/>
   </p:clrMapOvr>
-  <p:timing>
-    <p:tnLst>
-      <p:par>
-        <p:cTn id="1" dur="indefinite" restart="never" nodeType="tmRoot"/>
-      </p:par>
-    </p:tnLst>
-  </p:timing>
 </p:sld>
 </file>
 
-<file path=ppt/slides/slide3.xml><?xml version="1.0" encoding="utf-8"?>
+<file path=ppt/slides/slide10.xml><?xml version="1.0" encoding="utf-8"?>
+<p:sld xmlns:a="http://schemas.openxmlformats.org/drawingml/2006/main" xmlns:r="http://schemas.openxmlformats.org/officeDocument/2006/relationships" xmlns:p="http://schemas.openxmlformats.org/presentationml/2006/main">
+  <p:cSld>
+    <p:spTree>
+      <p:nvGrpSpPr>
+        <p:cNvPr id="1" name=""/>
+        <p:cNvGrpSpPr/>
+        <p:nvPr/>
+      </p:nvGrpSpPr>
+      <p:grpSpPr>
+        <a:xfrm>
+          <a:off x="0" y="0"/>
+          <a:ext cx="0" cy="0"/>
+          <a:chOff x="0" y="0"/>
+          <a:chExt cx="0" cy="0"/>
+        </a:xfrm>
+      </p:grpSpPr>
+      <p:sp>
+        <p:nvSpPr>
+          <p:cNvPr id="3" name="Content Placeholder 2"/>
+          <p:cNvSpPr>
+            <a:spLocks noGrp="1"/>
+          </p:cNvSpPr>
+          <p:nvPr>
+            <p:ph idx="1"/>
+          </p:nvPr>
+        </p:nvSpPr>
+        <p:spPr>
+          <a:xfrm>
+            <a:off x="457200" y="304800"/>
+            <a:ext cx="8229600" cy="6172200"/>
+          </a:xfrm>
+        </p:spPr>
+        <p:txBody>
+          <a:bodyPr>
+            <a:normAutofit fontScale="77500" lnSpcReduction="20000"/>
+          </a:bodyPr>
+          <a:lstStyle/>
+          <a:p>
+            <a:pPr marL="0" indent="0">
+              <a:buNone/>
+            </a:pPr>
+            <a:r>
+              <a:rPr lang="en-US" dirty="0"/>
+              <a:t>	// constructor used when no dimensions specified</a:t>
+            </a:r>
+          </a:p>
+          <a:p>
+            <a:pPr marL="0" indent="0">
+              <a:buNone/>
+            </a:pPr>
+            <a:r>
+              <a:rPr lang="en-IN" dirty="0"/>
+              <a:t>	</a:t>
+            </a:r>
+            <a:r>
+              <a:rPr lang="en-IN" dirty="0">
+                <a:solidFill>
+                  <a:srgbClr val="002060"/>
+                </a:solidFill>
+              </a:rPr>
+              <a:t>Box() {</a:t>
+            </a:r>
+          </a:p>
+          <a:p>
+            <a:pPr marL="0" indent="0">
+              <a:buNone/>
+            </a:pPr>
+            <a:r>
+              <a:rPr lang="en-US" dirty="0">
+                <a:solidFill>
+                  <a:srgbClr val="002060"/>
+                </a:solidFill>
+              </a:rPr>
+              <a:t>		width = -1; // use -1 to indicate</a:t>
+            </a:r>
+          </a:p>
+          <a:p>
+            <a:pPr marL="0" indent="0">
+              <a:buNone/>
+            </a:pPr>
+            <a:r>
+              <a:rPr lang="en-IN" dirty="0">
+                <a:solidFill>
+                  <a:srgbClr val="002060"/>
+                </a:solidFill>
+              </a:rPr>
+              <a:t>		height = -1; // an uninitialized</a:t>
+            </a:r>
+          </a:p>
+          <a:p>
+            <a:pPr marL="0" indent="0">
+              <a:buNone/>
+            </a:pPr>
+            <a:r>
+              <a:rPr lang="en-IN" dirty="0">
+                <a:solidFill>
+                  <a:srgbClr val="002060"/>
+                </a:solidFill>
+              </a:rPr>
+              <a:t>		depth = -1; // box</a:t>
+            </a:r>
+          </a:p>
+          <a:p>
+            <a:pPr marL="0" indent="0">
+              <a:buNone/>
+            </a:pPr>
+            <a:r>
+              <a:rPr lang="en-IN" dirty="0">
+                <a:solidFill>
+                  <a:srgbClr val="002060"/>
+                </a:solidFill>
+              </a:rPr>
+              <a:t>	}</a:t>
+            </a:r>
+          </a:p>
+          <a:p>
+            <a:pPr marL="0" indent="0">
+              <a:buNone/>
+            </a:pPr>
+            <a:r>
+              <a:rPr lang="en-US" dirty="0"/>
+              <a:t>	// constructor used when cube is created</a:t>
+            </a:r>
+          </a:p>
+          <a:p>
+            <a:pPr marL="0" indent="0">
+              <a:buNone/>
+            </a:pPr>
+            <a:r>
+              <a:rPr lang="en-IN" dirty="0"/>
+              <a:t>	</a:t>
+            </a:r>
+            <a:r>
+              <a:rPr lang="en-IN" dirty="0">
+                <a:solidFill>
+                  <a:srgbClr val="7030A0"/>
+                </a:solidFill>
+              </a:rPr>
+              <a:t>Box(double </a:t>
+            </a:r>
+            <a:r>
+              <a:rPr lang="en-IN" dirty="0" err="1">
+                <a:solidFill>
+                  <a:srgbClr val="7030A0"/>
+                </a:solidFill>
+              </a:rPr>
+              <a:t>len</a:t>
+            </a:r>
+            <a:r>
+              <a:rPr lang="en-IN" dirty="0">
+                <a:solidFill>
+                  <a:srgbClr val="7030A0"/>
+                </a:solidFill>
+              </a:rPr>
+              <a:t>) {</a:t>
+            </a:r>
+          </a:p>
+          <a:p>
+            <a:pPr marL="0" indent="0">
+              <a:buNone/>
+            </a:pPr>
+            <a:r>
+              <a:rPr lang="en-IN" dirty="0">
+                <a:solidFill>
+                  <a:srgbClr val="7030A0"/>
+                </a:solidFill>
+              </a:rPr>
+              <a:t>		width = height = depth = </a:t>
+            </a:r>
+            <a:r>
+              <a:rPr lang="en-IN" dirty="0" err="1">
+                <a:solidFill>
+                  <a:srgbClr val="7030A0"/>
+                </a:solidFill>
+              </a:rPr>
+              <a:t>len</a:t>
+            </a:r>
+            <a:r>
+              <a:rPr lang="en-IN" dirty="0">
+                <a:solidFill>
+                  <a:srgbClr val="7030A0"/>
+                </a:solidFill>
+              </a:rPr>
+              <a:t>;</a:t>
+            </a:r>
+          </a:p>
+          <a:p>
+            <a:pPr marL="0" indent="0">
+              <a:buNone/>
+            </a:pPr>
+            <a:r>
+              <a:rPr lang="en-IN" dirty="0">
+                <a:solidFill>
+                  <a:srgbClr val="7030A0"/>
+                </a:solidFill>
+              </a:rPr>
+              <a:t>	}</a:t>
+            </a:r>
+          </a:p>
+          <a:p>
+            <a:pPr marL="0" indent="0">
+              <a:buNone/>
+            </a:pPr>
+            <a:r>
+              <a:rPr lang="en-IN" dirty="0"/>
+              <a:t>	// compute and return volume</a:t>
+            </a:r>
+          </a:p>
+          <a:p>
+            <a:pPr marL="0" indent="0">
+              <a:buNone/>
+            </a:pPr>
+            <a:r>
+              <a:rPr lang="en-IN" dirty="0"/>
+              <a:t>	double volume() {</a:t>
+            </a:r>
+          </a:p>
+          <a:p>
+            <a:pPr marL="0" indent="0">
+              <a:buNone/>
+            </a:pPr>
+            <a:r>
+              <a:rPr lang="en-IN" dirty="0"/>
+              <a:t>		return width * height * depth;</a:t>
+            </a:r>
+          </a:p>
+          <a:p>
+            <a:pPr marL="0" indent="0">
+              <a:buNone/>
+            </a:pPr>
+            <a:r>
+              <a:rPr lang="en-IN" dirty="0"/>
+              <a:t>	}</a:t>
+            </a:r>
+          </a:p>
+          <a:p>
+            <a:pPr marL="0" indent="0">
+              <a:buNone/>
+            </a:pPr>
+            <a:r>
+              <a:rPr lang="en-IN" dirty="0"/>
+              <a:t>}</a:t>
+            </a:r>
+          </a:p>
+          <a:p>
+            <a:endParaRPr lang="en-IN" dirty="0"/>
+          </a:p>
+        </p:txBody>
+      </p:sp>
+    </p:spTree>
+    <p:extLst>
+      <p:ext uri="{BB962C8B-B14F-4D97-AF65-F5344CB8AC3E}">
+        <p14:creationId xmlns:p14="http://schemas.microsoft.com/office/powerpoint/2010/main" val="1674204588"/>
+      </p:ext>
+    </p:extLst>
+  </p:cSld>
+  <p:clrMapOvr>
+    <a:masterClrMapping/>
+  </p:clrMapOvr>
+</p:sld>
+</file>
+
+<file path=ppt/slides/slide11.xml><?xml version="1.0" encoding="utf-8"?>
+<p:sld xmlns:a="http://schemas.openxmlformats.org/drawingml/2006/main" xmlns:r="http://schemas.openxmlformats.org/officeDocument/2006/relationships" xmlns:p="http://schemas.openxmlformats.org/presentationml/2006/main">
+  <p:cSld>
+    <p:spTree>
+      <p:nvGrpSpPr>
+        <p:cNvPr id="1" name=""/>
+        <p:cNvGrpSpPr/>
+        <p:nvPr/>
+      </p:nvGrpSpPr>
+      <p:grpSpPr>
+        <a:xfrm>
+          <a:off x="0" y="0"/>
+          <a:ext cx="0" cy="0"/>
+          <a:chOff x="0" y="0"/>
+          <a:chExt cx="0" cy="0"/>
+        </a:xfrm>
+      </p:grpSpPr>
+      <p:sp>
+        <p:nvSpPr>
+          <p:cNvPr id="3" name="Content Placeholder 2"/>
+          <p:cNvSpPr>
+            <a:spLocks noGrp="1"/>
+          </p:cNvSpPr>
+          <p:nvPr>
+            <p:ph idx="1"/>
+          </p:nvPr>
+        </p:nvSpPr>
+        <p:spPr/>
+        <p:txBody>
+          <a:bodyPr/>
+          <a:lstStyle/>
+          <a:p>
+            <a:pPr marL="0" indent="0">
+              <a:buNone/>
+            </a:pPr>
+            <a:r>
+              <a:rPr lang="en-US" dirty="0">
+                <a:solidFill>
+                  <a:srgbClr val="C00000"/>
+                </a:solidFill>
+              </a:rPr>
+              <a:t>Box mybox1 = new Box(10, 20, 15);</a:t>
+            </a:r>
+          </a:p>
+          <a:p>
+            <a:pPr marL="0" indent="0">
+              <a:buNone/>
+            </a:pPr>
+            <a:r>
+              <a:rPr lang="en-IN" dirty="0">
+                <a:solidFill>
+                  <a:srgbClr val="002060"/>
+                </a:solidFill>
+              </a:rPr>
+              <a:t>Box mybox2 = new Box();</a:t>
+            </a:r>
+          </a:p>
+          <a:p>
+            <a:pPr marL="0" indent="0">
+              <a:buNone/>
+            </a:pPr>
+            <a:r>
+              <a:rPr lang="en-IN" dirty="0">
+                <a:solidFill>
+                  <a:srgbClr val="7030A0"/>
+                </a:solidFill>
+              </a:rPr>
+              <a:t>Box </a:t>
+            </a:r>
+            <a:r>
+              <a:rPr lang="en-IN" dirty="0" err="1">
+                <a:solidFill>
+                  <a:srgbClr val="7030A0"/>
+                </a:solidFill>
+              </a:rPr>
+              <a:t>mycube</a:t>
+            </a:r>
+            <a:r>
+              <a:rPr lang="en-IN" dirty="0">
+                <a:solidFill>
+                  <a:srgbClr val="7030A0"/>
+                </a:solidFill>
+              </a:rPr>
+              <a:t> = new Box(7)</a:t>
+            </a:r>
+            <a:r>
+              <a:rPr lang="en-IN" dirty="0"/>
+              <a:t>;</a:t>
+            </a:r>
+          </a:p>
+        </p:txBody>
+      </p:sp>
+    </p:spTree>
+    <p:extLst>
+      <p:ext uri="{BB962C8B-B14F-4D97-AF65-F5344CB8AC3E}">
+        <p14:creationId xmlns:p14="http://schemas.microsoft.com/office/powerpoint/2010/main" val="3900657169"/>
+      </p:ext>
+    </p:extLst>
+  </p:cSld>
+  <p:clrMapOvr>
+    <a:masterClrMapping/>
+  </p:clrMapOvr>
+</p:sld>
+</file>
+
+<file path=ppt/slides/slide12.xml><?xml version="1.0" encoding="utf-8"?>
+<p:sld xmlns:a="http://schemas.openxmlformats.org/drawingml/2006/main" xmlns:r="http://schemas.openxmlformats.org/officeDocument/2006/relationships" xmlns:p="http://schemas.openxmlformats.org/presentationml/2006/main">
+  <p:cSld>
+    <p:spTree>
+      <p:nvGrpSpPr>
+        <p:cNvPr id="1" name=""/>
+        <p:cNvGrpSpPr/>
+        <p:nvPr/>
+      </p:nvGrpSpPr>
+      <p:grpSpPr>
+        <a:xfrm>
+          <a:off x="0" y="0"/>
+          <a:ext cx="0" cy="0"/>
+          <a:chOff x="0" y="0"/>
+          <a:chExt cx="0" cy="0"/>
+        </a:xfrm>
+      </p:grpSpPr>
+      <p:sp>
+        <p:nvSpPr>
+          <p:cNvPr id="2" name="Title 1"/>
+          <p:cNvSpPr>
+            <a:spLocks noGrp="1"/>
+          </p:cNvSpPr>
+          <p:nvPr>
+            <p:ph type="title"/>
+          </p:nvPr>
+        </p:nvSpPr>
+        <p:spPr>
+          <a:xfrm>
+            <a:off x="457200" y="274638"/>
+            <a:ext cx="8229600" cy="487362"/>
+          </a:xfrm>
+        </p:spPr>
+        <p:txBody>
+          <a:bodyPr>
+            <a:noAutofit/>
+          </a:bodyPr>
+          <a:lstStyle/>
+          <a:p>
+            <a:r>
+              <a:rPr lang="en-IN" sz="2800" b="1" dirty="0"/>
+              <a:t>Using Objects as Parameters</a:t>
+            </a:r>
+            <a:endParaRPr lang="en-IN" sz="2800" dirty="0"/>
+          </a:p>
+        </p:txBody>
+      </p:sp>
+      <p:pic>
+        <p:nvPicPr>
+          <p:cNvPr id="6" name="Picture 2">
+            <a:hlinkClick r:id="rId2" action="ppaction://hlinkfile"/>
+          </p:cNvPr>
+          <p:cNvPicPr>
+            <a:picLocks noGrp="1" noChangeAspect="1" noChangeArrowheads="1"/>
+          </p:cNvPicPr>
+          <p:nvPr>
+            <p:ph idx="1"/>
+          </p:nvPr>
+        </p:nvPicPr>
+        <p:blipFill>
+          <a:blip r:embed="rId3">
+            <a:extLst>
+              <a:ext uri="{28A0092B-C50C-407E-A947-70E740481C1C}">
+                <a14:useLocalDpi xmlns:a14="http://schemas.microsoft.com/office/drawing/2010/main" val="0"/>
+              </a:ext>
+            </a:extLst>
+          </a:blip>
+          <a:srcRect/>
+          <a:stretch>
+            <a:fillRect/>
+          </a:stretch>
+        </p:blipFill>
+        <p:spPr bwMode="auto">
+          <a:xfrm>
+            <a:off x="304800" y="838200"/>
+            <a:ext cx="6858000" cy="5638800"/>
+          </a:xfrm>
+          <a:prstGeom prst="rect">
+            <a:avLst/>
+          </a:prstGeom>
+          <a:noFill/>
+          <a:ln>
+            <a:noFill/>
+          </a:ln>
+          <a:effectLst/>
+          <a:extLst>
+            <a:ext uri="{909E8E84-426E-40DD-AFC4-6F175D3DCCD1}">
+              <a14:hiddenFill xmlns:a14="http://schemas.microsoft.com/office/drawing/2010/main">
+                <a:solidFill>
+                  <a:schemeClr val="accent1"/>
+                </a:solidFill>
+              </a14:hiddenFill>
+            </a:ext>
+            <a:ext uri="{91240B29-F687-4F45-9708-019B960494DF}">
+              <a14:hiddenLine xmlns:a14="http://schemas.microsoft.com/office/drawing/2010/main" w="9525">
+                <a:solidFill>
+                  <a:schemeClr val="tx1"/>
+                </a:solidFill>
+                <a:miter lim="800000"/>
+                <a:headEnd/>
+                <a:tailEnd/>
+              </a14:hiddenLine>
+            </a:ext>
+            <a:ext uri="{AF507438-7753-43E0-B8FC-AC1667EBCBE1}">
+              <a14:hiddenEffects xmlns:a14="http://schemas.microsoft.com/office/drawing/2010/main">
+                <a:effectLst>
+                  <a:outerShdw dist="35921" dir="2700000" algn="ctr" rotWithShape="0">
+                    <a:schemeClr val="bg2"/>
+                  </a:outerShdw>
+                </a:effectLst>
+              </a14:hiddenEffects>
+            </a:ext>
+          </a:extLst>
+        </p:spPr>
+      </p:pic>
+    </p:spTree>
+    <p:extLst>
+      <p:ext uri="{BB962C8B-B14F-4D97-AF65-F5344CB8AC3E}">
+        <p14:creationId xmlns:p14="http://schemas.microsoft.com/office/powerpoint/2010/main" val="2771698757"/>
+      </p:ext>
+    </p:extLst>
+  </p:cSld>
+  <p:clrMapOvr>
+    <a:masterClrMapping/>
+  </p:clrMapOvr>
+</p:sld>
+</file>
+
+<file path=ppt/slides/slide2.xml><?xml version="1.0" encoding="utf-8"?>
 <p:sld xmlns:a="http://schemas.openxmlformats.org/drawingml/2006/main" xmlns:r="http://schemas.openxmlformats.org/officeDocument/2006/relationships" xmlns:p="http://schemas.openxmlformats.org/presentationml/2006/main">
   <p:cSld>
     <p:spTree>
@@ -4308,13 +3884,224 @@
   <p:clrMapOvr>
     <a:masterClrMapping/>
   </p:clrMapOvr>
-  <p:timing>
-    <p:tnLst>
-      <p:par>
-        <p:cTn id="1" dur="indefinite" restart="never" nodeType="tmRoot"/>
-      </p:par>
-    </p:tnLst>
-  </p:timing>
+</p:sld>
+</file>
+
+<file path=ppt/slides/slide3.xml><?xml version="1.0" encoding="utf-8"?>
+<p:sld xmlns:a="http://schemas.openxmlformats.org/drawingml/2006/main" xmlns:r="http://schemas.openxmlformats.org/officeDocument/2006/relationships" xmlns:p="http://schemas.openxmlformats.org/presentationml/2006/main">
+  <p:cSld>
+    <p:spTree>
+      <p:nvGrpSpPr>
+        <p:cNvPr id="1" name=""/>
+        <p:cNvGrpSpPr/>
+        <p:nvPr/>
+      </p:nvGrpSpPr>
+      <p:grpSpPr>
+        <a:xfrm>
+          <a:off x="0" y="0"/>
+          <a:ext cx="0" cy="0"/>
+          <a:chOff x="0" y="0"/>
+          <a:chExt cx="0" cy="0"/>
+        </a:xfrm>
+      </p:grpSpPr>
+      <p:sp>
+        <p:nvSpPr>
+          <p:cNvPr id="2" name="Title 1"/>
+          <p:cNvSpPr>
+            <a:spLocks noGrp="1"/>
+          </p:cNvSpPr>
+          <p:nvPr>
+            <p:ph type="title"/>
+          </p:nvPr>
+        </p:nvSpPr>
+        <p:spPr>
+          <a:xfrm>
+            <a:off x="457200" y="228600"/>
+            <a:ext cx="8229600" cy="609600"/>
+          </a:xfrm>
+        </p:spPr>
+        <p:txBody>
+          <a:bodyPr>
+            <a:normAutofit fontScale="90000"/>
+          </a:bodyPr>
+          <a:lstStyle/>
+          <a:p>
+            <a:r>
+              <a:rPr lang="en-IN" dirty="0"/>
+              <a:t>Method</a:t>
+            </a:r>
+          </a:p>
+        </p:txBody>
+      </p:sp>
+      <p:sp>
+        <p:nvSpPr>
+          <p:cNvPr id="3" name="Content Placeholder 2"/>
+          <p:cNvSpPr>
+            <a:spLocks noGrp="1"/>
+          </p:cNvSpPr>
+          <p:nvPr>
+            <p:ph idx="1"/>
+          </p:nvPr>
+        </p:nvSpPr>
+        <p:spPr>
+          <a:xfrm>
+            <a:off x="457200" y="1143000"/>
+            <a:ext cx="8229600" cy="5181600"/>
+          </a:xfrm>
+        </p:spPr>
+        <p:txBody>
+          <a:bodyPr/>
+          <a:lstStyle/>
+          <a:p>
+            <a:r>
+              <a:rPr lang="en-US" dirty="0"/>
+              <a:t>This is the general form of a method:</a:t>
+            </a:r>
+          </a:p>
+          <a:p>
+            <a:pPr marL="0" indent="0">
+              <a:buNone/>
+            </a:pPr>
+            <a:r>
+              <a:rPr lang="en-IN" i="1" dirty="0"/>
+              <a:t>	</a:t>
+            </a:r>
+            <a:r>
+              <a:rPr lang="en-IN" i="1" dirty="0">
+                <a:solidFill>
+                  <a:schemeClr val="accent6">
+                    <a:lumMod val="50000"/>
+                  </a:schemeClr>
+                </a:solidFill>
+              </a:rPr>
+              <a:t>type name</a:t>
+            </a:r>
+            <a:r>
+              <a:rPr lang="en-IN" dirty="0">
+                <a:solidFill>
+                  <a:schemeClr val="accent6">
+                    <a:lumMod val="50000"/>
+                  </a:schemeClr>
+                </a:solidFill>
+              </a:rPr>
+              <a:t>(</a:t>
+            </a:r>
+            <a:r>
+              <a:rPr lang="en-IN" i="1" dirty="0">
+                <a:solidFill>
+                  <a:schemeClr val="accent6">
+                    <a:lumMod val="50000"/>
+                  </a:schemeClr>
+                </a:solidFill>
+              </a:rPr>
+              <a:t>parameter-list</a:t>
+            </a:r>
+            <a:r>
+              <a:rPr lang="en-IN" dirty="0">
+                <a:solidFill>
+                  <a:schemeClr val="accent6">
+                    <a:lumMod val="50000"/>
+                  </a:schemeClr>
+                </a:solidFill>
+              </a:rPr>
+              <a:t>) {</a:t>
+            </a:r>
+          </a:p>
+          <a:p>
+            <a:pPr marL="0" indent="0">
+              <a:buNone/>
+            </a:pPr>
+            <a:r>
+              <a:rPr lang="en-IN" dirty="0">
+                <a:solidFill>
+                  <a:schemeClr val="accent6">
+                    <a:lumMod val="50000"/>
+                  </a:schemeClr>
+                </a:solidFill>
+              </a:rPr>
+              <a:t>		// body of method</a:t>
+            </a:r>
+          </a:p>
+          <a:p>
+            <a:pPr marL="0" indent="0">
+              <a:buNone/>
+            </a:pPr>
+            <a:r>
+              <a:rPr lang="en-IN" dirty="0">
+                <a:solidFill>
+                  <a:schemeClr val="accent6">
+                    <a:lumMod val="50000"/>
+                  </a:schemeClr>
+                </a:solidFill>
+              </a:rPr>
+              <a:t>	}</a:t>
+            </a:r>
+          </a:p>
+          <a:p>
+            <a:r>
+              <a:rPr lang="en-US" dirty="0"/>
+              <a:t>form of the </a:t>
+            </a:r>
+            <a:r>
+              <a:rPr lang="en-US" b="1" dirty="0"/>
+              <a:t>return </a:t>
+            </a:r>
+            <a:r>
+              <a:rPr lang="en-US" dirty="0"/>
+              <a:t>statement:</a:t>
+            </a:r>
+          </a:p>
+          <a:p>
+            <a:pPr marL="0" indent="0">
+              <a:buNone/>
+            </a:pPr>
+            <a:r>
+              <a:rPr lang="en-IN" dirty="0"/>
+              <a:t>  	</a:t>
+            </a:r>
+            <a:r>
+              <a:rPr lang="en-IN" dirty="0">
+                <a:solidFill>
+                  <a:schemeClr val="accent6">
+                    <a:lumMod val="50000"/>
+                  </a:schemeClr>
+                </a:solidFill>
+              </a:rPr>
+              <a:t>return </a:t>
+            </a:r>
+            <a:r>
+              <a:rPr lang="en-IN" i="1" dirty="0">
+                <a:solidFill>
+                  <a:schemeClr val="accent6">
+                    <a:lumMod val="50000"/>
+                  </a:schemeClr>
+                </a:solidFill>
+              </a:rPr>
+              <a:t>value</a:t>
+            </a:r>
+            <a:r>
+              <a:rPr lang="en-IN" dirty="0">
+                <a:solidFill>
+                  <a:schemeClr val="accent6">
+                    <a:lumMod val="50000"/>
+                  </a:schemeClr>
+                </a:solidFill>
+              </a:rPr>
+              <a:t>;</a:t>
+            </a:r>
+          </a:p>
+        </p:txBody>
+      </p:sp>
+    </p:spTree>
+    <p:extLst>
+      <p:ext uri="{BB962C8B-B14F-4D97-AF65-F5344CB8AC3E}">
+        <p14:creationId xmlns:p14="http://schemas.microsoft.com/office/powerpoint/2010/main" val="3568843929"/>
+      </p:ext>
+    </p:extLst>
+  </p:cSld>
+  <p:clrMapOvr>
+    <a:masterClrMapping/>
+  </p:clrMapOvr>
 </p:sld>
 </file>
 
@@ -4337,213 +4124,190 @@
       </p:grpSpPr>
       <p:sp>
         <p:nvSpPr>
-          <p:cNvPr id="2" name="Title 1"/>
-          <p:cNvSpPr>
-            <a:spLocks noGrp="1"/>
-          </p:cNvSpPr>
-          <p:nvPr>
-            <p:ph type="title"/>
+          <p:cNvPr id="3" name="Content Placeholder 2"/>
+          <p:cNvSpPr>
+            <a:spLocks noGrp="1"/>
+          </p:cNvSpPr>
+          <p:nvPr>
+            <p:ph idx="1"/>
           </p:nvPr>
         </p:nvSpPr>
         <p:spPr>
           <a:xfrm>
-            <a:off x="457200" y="228600"/>
-            <a:ext cx="8229600" cy="609600"/>
+            <a:off x="76200" y="533400"/>
+            <a:ext cx="9067800" cy="5592763"/>
           </a:xfrm>
         </p:spPr>
         <p:txBody>
           <a:bodyPr>
-            <a:normAutofit fontScale="90000"/>
+            <a:normAutofit/>
           </a:bodyPr>
           <a:lstStyle/>
           <a:p>
-            <a:r>
-              <a:rPr lang="en-IN" dirty="0" smtClean="0"/>
-              <a:t>Method</a:t>
-            </a:r>
-            <a:endParaRPr lang="en-IN" dirty="0"/>
-          </a:p>
-        </p:txBody>
-      </p:sp>
-      <p:sp>
-        <p:nvSpPr>
-          <p:cNvPr id="3" name="Content Placeholder 2"/>
-          <p:cNvSpPr>
-            <a:spLocks noGrp="1"/>
-          </p:cNvSpPr>
-          <p:nvPr>
-            <p:ph idx="1"/>
-          </p:nvPr>
-        </p:nvSpPr>
-        <p:spPr>
-          <a:xfrm>
-            <a:off x="457200" y="1143000"/>
-            <a:ext cx="8229600" cy="5181600"/>
-          </a:xfrm>
-        </p:spPr>
-        <p:txBody>
-          <a:bodyPr/>
-          <a:lstStyle/>
-          <a:p>
-            <a:r>
-              <a:rPr lang="en-US" dirty="0"/>
-              <a:t>This is the general form of a method:</a:t>
-            </a:r>
-          </a:p>
-          <a:p>
-            <a:pPr marL="0" indent="0">
-              <a:buNone/>
-            </a:pPr>
-            <a:r>
-              <a:rPr lang="en-IN" i="1" dirty="0" smtClean="0"/>
-              <a:t>	</a:t>
-            </a:r>
-            <a:r>
-              <a:rPr lang="en-IN" i="1" dirty="0" smtClean="0">
+            <a:pPr marL="0" indent="0">
+              <a:buNone/>
+            </a:pPr>
+            <a:r>
+              <a:rPr lang="en-US" sz="2600" dirty="0"/>
+              <a:t>// This program includes a method inside the box class.</a:t>
+            </a:r>
+          </a:p>
+          <a:p>
+            <a:pPr marL="0" indent="0">
+              <a:buNone/>
+            </a:pPr>
+            <a:r>
+              <a:rPr lang="en-IN" sz="2600" dirty="0"/>
+              <a:t>	class Box {</a:t>
+            </a:r>
+          </a:p>
+          <a:p>
+            <a:pPr marL="0" indent="0">
+              <a:buNone/>
+            </a:pPr>
+            <a:r>
+              <a:rPr lang="en-IN" sz="2600" dirty="0"/>
+              <a:t>		double width;</a:t>
+            </a:r>
+          </a:p>
+          <a:p>
+            <a:pPr marL="0" indent="0">
+              <a:buNone/>
+            </a:pPr>
+            <a:r>
+              <a:rPr lang="en-IN" sz="2600" dirty="0"/>
+              <a:t>		double height;</a:t>
+            </a:r>
+          </a:p>
+          <a:p>
+            <a:pPr marL="0" indent="0">
+              <a:buNone/>
+            </a:pPr>
+            <a:r>
+              <a:rPr lang="en-IN" sz="2600" dirty="0"/>
+              <a:t>		double depth;</a:t>
+            </a:r>
+          </a:p>
+          <a:p>
+            <a:pPr marL="0" indent="0">
+              <a:buNone/>
+            </a:pPr>
+            <a:r>
+              <a:rPr lang="en-US" sz="2600" dirty="0"/>
+              <a:t>		// display volume of a box</a:t>
+            </a:r>
+          </a:p>
+          <a:p>
+            <a:pPr marL="0" indent="0">
+              <a:buNone/>
+            </a:pPr>
+            <a:r>
+              <a:rPr lang="en-IN" sz="2600" dirty="0"/>
+              <a:t>		</a:t>
+            </a:r>
+            <a:r>
+              <a:rPr lang="en-IN" sz="2600" dirty="0">
                 <a:solidFill>
                   <a:schemeClr val="accent6">
                     <a:lumMod val="50000"/>
                   </a:schemeClr>
                 </a:solidFill>
               </a:rPr>
-              <a:t>type </a:t>
-            </a:r>
-            <a:r>
-              <a:rPr lang="en-IN" i="1" dirty="0">
+              <a:t>void volume() {</a:t>
+            </a:r>
+          </a:p>
+          <a:p>
+            <a:pPr marL="0" indent="0">
+              <a:buNone/>
+            </a:pPr>
+            <a:r>
+              <a:rPr lang="en-IN" sz="2600" dirty="0">
                 <a:solidFill>
                   <a:schemeClr val="accent6">
                     <a:lumMod val="50000"/>
                   </a:schemeClr>
                 </a:solidFill>
               </a:rPr>
-              <a:t>name</a:t>
-            </a:r>
-            <a:r>
-              <a:rPr lang="en-IN" dirty="0">
+              <a:t>			</a:t>
+            </a:r>
+            <a:r>
+              <a:rPr lang="en-IN" sz="2600" dirty="0" err="1">
                 <a:solidFill>
                   <a:schemeClr val="accent6">
                     <a:lumMod val="50000"/>
                   </a:schemeClr>
                 </a:solidFill>
               </a:rPr>
-              <a:t>(</a:t>
-            </a:r>
-            <a:r>
-              <a:rPr lang="en-IN" i="1" dirty="0">
+              <a:t>System.out.print</a:t>
+            </a:r>
+            <a:r>
+              <a:rPr lang="en-IN" sz="2600" dirty="0">
                 <a:solidFill>
                   <a:schemeClr val="accent6">
                     <a:lumMod val="50000"/>
                   </a:schemeClr>
                 </a:solidFill>
               </a:rPr>
-              <a:t>parameter-list</a:t>
-            </a:r>
-            <a:r>
-              <a:rPr lang="en-IN" dirty="0">
+              <a:t>("Volume is ");</a:t>
+            </a:r>
+          </a:p>
+          <a:p>
+            <a:pPr marL="0" indent="0">
+              <a:buNone/>
+            </a:pPr>
+            <a:r>
+              <a:rPr lang="en-IN" sz="2600" dirty="0">
                 <a:solidFill>
                   <a:schemeClr val="accent6">
                     <a:lumMod val="50000"/>
                   </a:schemeClr>
                 </a:solidFill>
               </a:rPr>
-              <a:t>) {</a:t>
-            </a:r>
-          </a:p>
-          <a:p>
-            <a:pPr marL="0" indent="0">
-              <a:buNone/>
-            </a:pPr>
-            <a:r>
-              <a:rPr lang="en-IN" dirty="0" smtClean="0">
+              <a:t>			</a:t>
+            </a:r>
+            <a:r>
+              <a:rPr lang="en-IN" sz="2600" dirty="0" err="1">
                 <a:solidFill>
                   <a:schemeClr val="accent6">
                     <a:lumMod val="50000"/>
                   </a:schemeClr>
                 </a:solidFill>
               </a:rPr>
-              <a:t>		// </a:t>
-            </a:r>
-            <a:r>
-              <a:rPr lang="en-IN" dirty="0">
+              <a:t>System.out.println</a:t>
+            </a:r>
+            <a:r>
+              <a:rPr lang="en-IN" sz="2600" dirty="0">
                 <a:solidFill>
                   <a:schemeClr val="accent6">
                     <a:lumMod val="50000"/>
                   </a:schemeClr>
                 </a:solidFill>
               </a:rPr>
-              <a:t>body of method</a:t>
-            </a:r>
-          </a:p>
-          <a:p>
-            <a:pPr marL="0" indent="0">
-              <a:buNone/>
-            </a:pPr>
-            <a:r>
-              <a:rPr lang="en-IN" dirty="0" smtClean="0">
+              <a:t>(width * height *depth);</a:t>
+            </a:r>
+          </a:p>
+          <a:p>
+            <a:pPr marL="0" indent="0">
+              <a:buNone/>
+            </a:pPr>
+            <a:r>
+              <a:rPr lang="en-IN" sz="2600" dirty="0">
                 <a:solidFill>
                   <a:schemeClr val="accent6">
                     <a:lumMod val="50000"/>
                   </a:schemeClr>
                 </a:solidFill>
               </a:rPr>
+              <a:t>		}</a:t>
+            </a:r>
+          </a:p>
+          <a:p>
+            <a:pPr marL="0" indent="0">
+              <a:buNone/>
+            </a:pPr>
+            <a:r>
+              <a:rPr lang="en-IN" sz="2600" dirty="0"/>
               <a:t>	}</a:t>
-            </a:r>
-          </a:p>
-          <a:p>
-            <a:r>
-              <a:rPr lang="en-US" dirty="0"/>
-              <a:t>form of the </a:t>
-            </a:r>
-            <a:r>
-              <a:rPr lang="en-US" b="1" dirty="0"/>
-              <a:t>return </a:t>
-            </a:r>
-            <a:r>
-              <a:rPr lang="en-US" dirty="0"/>
-              <a:t>statement</a:t>
-            </a:r>
-            <a:r>
-              <a:rPr lang="en-US" dirty="0" smtClean="0"/>
-              <a:t>:</a:t>
-            </a:r>
-          </a:p>
-          <a:p>
-            <a:pPr marL="0" indent="0">
-              <a:buNone/>
-            </a:pPr>
-            <a:r>
-              <a:rPr lang="en-IN" dirty="0" smtClean="0"/>
-              <a:t>  	</a:t>
-            </a:r>
-            <a:r>
-              <a:rPr lang="en-IN" dirty="0" smtClean="0">
-                <a:solidFill>
-                  <a:schemeClr val="accent6">
-                    <a:lumMod val="50000"/>
-                  </a:schemeClr>
-                </a:solidFill>
-              </a:rPr>
-              <a:t>return </a:t>
-            </a:r>
-            <a:r>
-              <a:rPr lang="en-IN" i="1" dirty="0">
-                <a:solidFill>
-                  <a:schemeClr val="accent6">
-                    <a:lumMod val="50000"/>
-                  </a:schemeClr>
-                </a:solidFill>
-              </a:rPr>
-              <a:t>value</a:t>
-            </a:r>
-            <a:r>
-              <a:rPr lang="en-IN" dirty="0">
-                <a:solidFill>
-                  <a:schemeClr val="accent6">
-                    <a:lumMod val="50000"/>
-                  </a:schemeClr>
-                </a:solidFill>
-              </a:rPr>
-              <a:t>;</a:t>
             </a:r>
           </a:p>
         </p:txBody>
@@ -4551,20 +4315,13 @@
     </p:spTree>
     <p:extLst>
       <p:ext uri="{BB962C8B-B14F-4D97-AF65-F5344CB8AC3E}">
-        <p14:creationId xmlns:p14="http://schemas.microsoft.com/office/powerpoint/2010/main" val="3568843929"/>
+        <p14:creationId xmlns:p14="http://schemas.microsoft.com/office/powerpoint/2010/main" val="247714135"/>
       </p:ext>
     </p:extLst>
   </p:cSld>
   <p:clrMapOvr>
     <a:masterClrMapping/>
   </p:clrMapOvr>
-  <p:timing>
-    <p:tnLst>
-      <p:par>
-        <p:cTn id="1" dur="indefinite" restart="never" nodeType="tmRoot"/>
-      </p:par>
-    </p:tnLst>
-  </p:timing>
 </p:sld>
 </file>
 
@@ -4597,13 +4354,13 @@
         </p:nvSpPr>
         <p:spPr>
           <a:xfrm>
-            <a:off x="76200" y="533400"/>
-            <a:ext cx="9067800" cy="5592763"/>
+            <a:off x="457200" y="152400"/>
+            <a:ext cx="8229600" cy="6705600"/>
           </a:xfrm>
         </p:spPr>
         <p:txBody>
           <a:bodyPr>
-            <a:normAutofit/>
+            <a:normAutofit fontScale="62500" lnSpcReduction="20000"/>
           </a:bodyPr>
           <a:lstStyle/>
           <a:p>
@@ -4611,255 +4368,225 @@
               <a:buNone/>
             </a:pPr>
             <a:r>
-              <a:rPr lang="en-US" sz="2600" dirty="0"/>
-              <a:t>// This program includes a method inside the box class.</a:t>
-            </a:r>
-          </a:p>
-          <a:p>
-            <a:pPr marL="0" indent="0">
-              <a:buNone/>
-            </a:pPr>
-            <a:r>
-              <a:rPr lang="en-IN" sz="2600" dirty="0" smtClean="0"/>
-              <a:t>	class </a:t>
-            </a:r>
-            <a:r>
-              <a:rPr lang="en-IN" sz="2600" dirty="0"/>
-              <a:t>Box {</a:t>
-            </a:r>
-          </a:p>
-          <a:p>
-            <a:pPr marL="0" indent="0">
-              <a:buNone/>
-            </a:pPr>
-            <a:r>
-              <a:rPr lang="en-IN" sz="2600" dirty="0" smtClean="0"/>
-              <a:t>		double </a:t>
-            </a:r>
-            <a:r>
-              <a:rPr lang="en-IN" sz="2600" dirty="0"/>
-              <a:t>width;</a:t>
-            </a:r>
-          </a:p>
-          <a:p>
-            <a:pPr marL="0" indent="0">
-              <a:buNone/>
-            </a:pPr>
-            <a:r>
-              <a:rPr lang="en-IN" sz="2600" dirty="0" smtClean="0"/>
-              <a:t>		double </a:t>
-            </a:r>
-            <a:r>
-              <a:rPr lang="en-IN" sz="2600" dirty="0"/>
-              <a:t>height;</a:t>
-            </a:r>
-          </a:p>
-          <a:p>
-            <a:pPr marL="0" indent="0">
-              <a:buNone/>
-            </a:pPr>
-            <a:r>
-              <a:rPr lang="en-IN" sz="2600" dirty="0" smtClean="0"/>
-              <a:t>		double </a:t>
-            </a:r>
-            <a:r>
-              <a:rPr lang="en-IN" sz="2600" dirty="0"/>
-              <a:t>depth;</a:t>
-            </a:r>
-          </a:p>
-          <a:p>
-            <a:pPr marL="0" indent="0">
-              <a:buNone/>
-            </a:pPr>
-            <a:r>
-              <a:rPr lang="en-US" sz="2600" dirty="0" smtClean="0"/>
-              <a:t>		// </a:t>
-            </a:r>
-            <a:r>
-              <a:rPr lang="en-US" sz="2600" dirty="0"/>
-              <a:t>display volume of a box</a:t>
-            </a:r>
-          </a:p>
-          <a:p>
-            <a:pPr marL="0" indent="0">
-              <a:buNone/>
-            </a:pPr>
-            <a:r>
-              <a:rPr lang="en-IN" sz="2600" dirty="0" smtClean="0"/>
-              <a:t>		</a:t>
-            </a:r>
-            <a:r>
-              <a:rPr lang="en-IN" sz="2600" dirty="0" smtClean="0">
+              <a:rPr lang="en-IN" dirty="0"/>
+              <a:t>class BoxDemo3 {</a:t>
+            </a:r>
+          </a:p>
+          <a:p>
+            <a:pPr marL="0" indent="0">
+              <a:buNone/>
+            </a:pPr>
+            <a:r>
+              <a:rPr lang="en-US" dirty="0"/>
+              <a:t>       public static void main(String </a:t>
+            </a:r>
+            <a:r>
+              <a:rPr lang="en-US" dirty="0" err="1"/>
+              <a:t>args</a:t>
+            </a:r>
+            <a:r>
+              <a:rPr lang="en-US" dirty="0"/>
+              <a:t>[]) {</a:t>
+            </a:r>
+          </a:p>
+          <a:p>
+            <a:pPr marL="0" indent="0">
+              <a:buNone/>
+            </a:pPr>
+            <a:r>
+              <a:rPr lang="en-IN" dirty="0"/>
+              <a:t>	Box mybox1 = new Box();</a:t>
+            </a:r>
+          </a:p>
+          <a:p>
+            <a:pPr marL="0" indent="0">
+              <a:buNone/>
+            </a:pPr>
+            <a:r>
+              <a:rPr lang="en-IN" dirty="0"/>
+              <a:t>	Box mybox2 = new Box();</a:t>
+            </a:r>
+          </a:p>
+          <a:p>
+            <a:pPr marL="0" indent="0">
+              <a:buNone/>
+            </a:pPr>
+            <a:r>
+              <a:rPr lang="en-US" dirty="0"/>
+              <a:t>	</a:t>
+            </a:r>
+          </a:p>
+          <a:p>
+            <a:pPr marL="0" indent="0">
+              <a:buNone/>
+            </a:pPr>
+            <a:r>
+              <a:rPr lang="en-US" dirty="0"/>
+              <a:t>	// assign values to mybox1's instance variables</a:t>
+            </a:r>
+          </a:p>
+          <a:p>
+            <a:pPr marL="0" indent="0">
+              <a:buNone/>
+            </a:pPr>
+            <a:r>
+              <a:rPr lang="en-IN" dirty="0"/>
+              <a:t>	mybox1.width = 10;</a:t>
+            </a:r>
+          </a:p>
+          <a:p>
+            <a:pPr marL="0" indent="0">
+              <a:buNone/>
+            </a:pPr>
+            <a:r>
+              <a:rPr lang="en-IN" dirty="0"/>
+              <a:t>	mybox1.height = 20;</a:t>
+            </a:r>
+          </a:p>
+          <a:p>
+            <a:pPr marL="0" indent="0">
+              <a:buNone/>
+            </a:pPr>
+            <a:r>
+              <a:rPr lang="en-IN" dirty="0"/>
+              <a:t>	mybox1.depth = 15;</a:t>
+            </a:r>
+          </a:p>
+          <a:p>
+            <a:pPr marL="0" indent="0">
+              <a:buNone/>
+            </a:pPr>
+            <a:r>
+              <a:rPr lang="en-US" dirty="0"/>
+              <a:t>	</a:t>
+            </a:r>
+          </a:p>
+          <a:p>
+            <a:pPr marL="0" indent="0">
+              <a:buNone/>
+            </a:pPr>
+            <a:r>
+              <a:rPr lang="en-US" dirty="0"/>
+              <a:t>	/* assign different values to mybox2's </a:t>
+            </a:r>
+            <a:r>
+              <a:rPr lang="en-IN" dirty="0"/>
+              <a:t>instance variables */</a:t>
+            </a:r>
+          </a:p>
+          <a:p>
+            <a:pPr marL="0" indent="0">
+              <a:buNone/>
+            </a:pPr>
+            <a:r>
+              <a:rPr lang="en-IN" dirty="0"/>
+              <a:t>	mybox2.width = 3;</a:t>
+            </a:r>
+          </a:p>
+          <a:p>
+            <a:pPr marL="0" indent="0">
+              <a:buNone/>
+            </a:pPr>
+            <a:r>
+              <a:rPr lang="en-IN" dirty="0"/>
+              <a:t>	mybox2.height = 6;</a:t>
+            </a:r>
+          </a:p>
+          <a:p>
+            <a:pPr marL="0" indent="0">
+              <a:buNone/>
+            </a:pPr>
+            <a:r>
+              <a:rPr lang="en-IN" dirty="0"/>
+              <a:t>	mybox2.depth = 9;</a:t>
+            </a:r>
+          </a:p>
+          <a:p>
+            <a:pPr marL="0" indent="0">
+              <a:buNone/>
+            </a:pPr>
+            <a:r>
+              <a:rPr lang="en-US" dirty="0"/>
+              <a:t>	// display volume of first box</a:t>
+            </a:r>
+          </a:p>
+          <a:p>
+            <a:pPr marL="0" indent="0">
+              <a:buNone/>
+            </a:pPr>
+            <a:r>
+              <a:rPr lang="en-IN" dirty="0"/>
+              <a:t>	</a:t>
+            </a:r>
+            <a:r>
+              <a:rPr lang="en-IN" b="1" dirty="0">
                 <a:solidFill>
                   <a:schemeClr val="accent6">
                     <a:lumMod val="50000"/>
                   </a:schemeClr>
                 </a:solidFill>
               </a:rPr>
-              <a:t>void </a:t>
-            </a:r>
-            <a:r>
-              <a:rPr lang="en-IN" sz="2600" dirty="0">
+              <a:t>mybox1.volume();</a:t>
+            </a:r>
+          </a:p>
+          <a:p>
+            <a:pPr marL="0" indent="0">
+              <a:buNone/>
+            </a:pPr>
+            <a:r>
+              <a:rPr lang="en-US" dirty="0"/>
+              <a:t>	// display volume of second box</a:t>
+            </a:r>
+          </a:p>
+          <a:p>
+            <a:pPr marL="0" indent="0">
+              <a:buNone/>
+            </a:pPr>
+            <a:r>
+              <a:rPr lang="en-IN" dirty="0"/>
+              <a:t>	</a:t>
+            </a:r>
+            <a:r>
+              <a:rPr lang="en-IN" b="1" dirty="0">
                 <a:solidFill>
                   <a:schemeClr val="accent6">
                     <a:lumMod val="50000"/>
                   </a:schemeClr>
                 </a:solidFill>
               </a:rPr>
-              <a:t>volume() {</a:t>
-            </a:r>
-          </a:p>
-          <a:p>
-            <a:pPr marL="0" indent="0">
-              <a:buNone/>
-            </a:pPr>
-            <a:r>
-              <a:rPr lang="en-IN" sz="2600" dirty="0" smtClean="0">
-                <a:solidFill>
-                  <a:schemeClr val="accent6">
-                    <a:lumMod val="50000"/>
-                  </a:schemeClr>
-                </a:solidFill>
-              </a:rPr>
-              <a:t>			</a:t>
-            </a:r>
-            <a:r>
-              <a:rPr lang="en-IN" sz="2600" dirty="0" err="1" smtClean="0">
-                <a:solidFill>
-                  <a:schemeClr val="accent6">
-                    <a:lumMod val="50000"/>
-                  </a:schemeClr>
-                </a:solidFill>
-              </a:rPr>
-              <a:t>System.out.print</a:t>
-            </a:r>
-            <a:r>
-              <a:rPr lang="en-IN" sz="2600" dirty="0">
-                <a:solidFill>
-                  <a:schemeClr val="accent6">
-                    <a:lumMod val="50000"/>
-                  </a:schemeClr>
-                </a:solidFill>
-              </a:rPr>
-              <a:t>("Volume is ");</a:t>
-            </a:r>
-          </a:p>
-          <a:p>
-            <a:pPr marL="0" indent="0">
-              <a:buNone/>
-            </a:pPr>
-            <a:r>
-              <a:rPr lang="en-IN" sz="2600" dirty="0" smtClean="0">
-                <a:solidFill>
-                  <a:schemeClr val="accent6">
-                    <a:lumMod val="50000"/>
-                  </a:schemeClr>
-                </a:solidFill>
-              </a:rPr>
-              <a:t>			</a:t>
-            </a:r>
-            <a:r>
-              <a:rPr lang="en-IN" sz="2600" dirty="0" err="1" smtClean="0">
-                <a:solidFill>
-                  <a:schemeClr val="accent6">
-                    <a:lumMod val="50000"/>
-                  </a:schemeClr>
-                </a:solidFill>
-              </a:rPr>
-              <a:t>System.out.println</a:t>
-            </a:r>
-            <a:r>
-              <a:rPr lang="en-IN" sz="2600" dirty="0" smtClean="0">
-                <a:solidFill>
-                  <a:schemeClr val="accent6">
-                    <a:lumMod val="50000"/>
-                  </a:schemeClr>
-                </a:solidFill>
-              </a:rPr>
-              <a:t>(width </a:t>
-            </a:r>
-            <a:r>
-              <a:rPr lang="en-IN" sz="2600" dirty="0">
-                <a:solidFill>
-                  <a:schemeClr val="accent6">
-                    <a:lumMod val="50000"/>
-                  </a:schemeClr>
-                </a:solidFill>
-              </a:rPr>
-              <a:t>* height </a:t>
-            </a:r>
-            <a:r>
-              <a:rPr lang="en-IN" sz="2600" dirty="0" smtClean="0">
-                <a:solidFill>
-                  <a:schemeClr val="accent6">
-                    <a:lumMod val="50000"/>
-                  </a:schemeClr>
-                </a:solidFill>
-              </a:rPr>
-              <a:t>*depth</a:t>
-            </a:r>
-            <a:r>
-              <a:rPr lang="en-IN" sz="2600" dirty="0">
-                <a:solidFill>
-                  <a:schemeClr val="accent6">
-                    <a:lumMod val="50000"/>
-                  </a:schemeClr>
-                </a:solidFill>
-              </a:rPr>
-              <a:t>);</a:t>
-            </a:r>
-          </a:p>
-          <a:p>
-            <a:pPr marL="0" indent="0">
-              <a:buNone/>
-            </a:pPr>
-            <a:r>
-              <a:rPr lang="en-IN" sz="2600" dirty="0" smtClean="0">
-                <a:solidFill>
-                  <a:schemeClr val="accent6">
-                    <a:lumMod val="50000"/>
-                  </a:schemeClr>
-                </a:solidFill>
-              </a:rPr>
-              <a:t>		}</a:t>
-            </a:r>
-            <a:endParaRPr lang="en-IN" sz="2600" dirty="0">
-              <a:solidFill>
-                <a:schemeClr val="accent6">
-                  <a:lumMod val="50000"/>
-                </a:schemeClr>
-              </a:solidFill>
-            </a:endParaRPr>
-          </a:p>
-          <a:p>
-            <a:pPr marL="0" indent="0">
-              <a:buNone/>
-            </a:pPr>
-            <a:r>
-              <a:rPr lang="en-IN" sz="2600" dirty="0" smtClean="0"/>
+              <a:t>mybox2.volume();</a:t>
+            </a:r>
+          </a:p>
+          <a:p>
+            <a:pPr marL="0" indent="0">
+              <a:buNone/>
+            </a:pPr>
+            <a:r>
+              <a:rPr lang="en-IN" dirty="0"/>
               <a:t>	}</a:t>
             </a:r>
-            <a:endParaRPr lang="en-IN" sz="2600" dirty="0"/>
+          </a:p>
+          <a:p>
+            <a:pPr marL="0" indent="0">
+              <a:buNone/>
+            </a:pPr>
+            <a:r>
+              <a:rPr lang="en-IN" dirty="0"/>
+              <a:t>	}</a:t>
+            </a:r>
           </a:p>
         </p:txBody>
       </p:sp>
     </p:spTree>
     <p:extLst>
       <p:ext uri="{BB962C8B-B14F-4D97-AF65-F5344CB8AC3E}">
-        <p14:creationId xmlns:p14="http://schemas.microsoft.com/office/powerpoint/2010/main" val="247714135"/>
+        <p14:creationId xmlns:p14="http://schemas.microsoft.com/office/powerpoint/2010/main" val="3755719889"/>
       </p:ext>
     </p:extLst>
   </p:cSld>
   <p:clrMapOvr>
     <a:masterClrMapping/>
   </p:clrMapOvr>
-  <p:timing>
-    <p:tnLst>
-      <p:par>
-        <p:cTn id="1" dur="indefinite" restart="never" nodeType="tmRoot"/>
-      </p:par>
-    </p:tnLst>
-  </p:timing>
 </p:sld>
 </file>
 
@@ -4882,32 +4609,102 @@
       </p:grpSpPr>
       <p:sp>
         <p:nvSpPr>
-          <p:cNvPr id="3" name="Content Placeholder 2"/>
-          <p:cNvSpPr>
-            <a:spLocks noGrp="1"/>
-          </p:cNvSpPr>
-          <p:nvPr>
-            <p:ph idx="1"/>
+          <p:cNvPr id="2" name="Title 1"/>
+          <p:cNvSpPr>
+            <a:spLocks noGrp="1"/>
+          </p:cNvSpPr>
+          <p:nvPr>
+            <p:ph type="title"/>
           </p:nvPr>
         </p:nvSpPr>
         <p:spPr>
           <a:xfrm>
-            <a:off x="457200" y="152400"/>
-            <a:ext cx="8229600" cy="6705600"/>
+            <a:off x="457200" y="76200"/>
+            <a:ext cx="8229600" cy="334962"/>
           </a:xfrm>
         </p:spPr>
         <p:txBody>
           <a:bodyPr>
-            <a:normAutofit fontScale="62500" lnSpcReduction="20000"/>
+            <a:normAutofit fontScale="90000"/>
           </a:bodyPr>
           <a:lstStyle/>
           <a:p>
-            <a:pPr marL="0" indent="0">
-              <a:buNone/>
-            </a:pPr>
+            <a:r>
+              <a:rPr lang="en-IN" b="1" dirty="0"/>
+              <a:t>Constructors</a:t>
+            </a:r>
+            <a:endParaRPr lang="en-IN" dirty="0"/>
+          </a:p>
+        </p:txBody>
+      </p:sp>
+      <p:sp>
+        <p:nvSpPr>
+          <p:cNvPr id="3" name="Content Placeholder 2"/>
+          <p:cNvSpPr>
+            <a:spLocks noGrp="1"/>
+          </p:cNvSpPr>
+          <p:nvPr>
+            <p:ph idx="1"/>
+          </p:nvPr>
+        </p:nvSpPr>
+        <p:spPr>
+          <a:xfrm>
+            <a:off x="457200" y="685800"/>
+            <a:ext cx="8229600" cy="5943600"/>
+          </a:xfrm>
+        </p:spPr>
+        <p:txBody>
+          <a:bodyPr>
+            <a:normAutofit fontScale="70000" lnSpcReduction="20000"/>
+          </a:bodyPr>
+          <a:lstStyle/>
+          <a:p>
+            <a:pPr marL="0" indent="0">
+              <a:buNone/>
+            </a:pPr>
+            <a:r>
+              <a:rPr lang="en-US" dirty="0"/>
+              <a:t>/* Here, Box uses a constructor to initialize the </a:t>
+            </a:r>
             <a:r>
               <a:rPr lang="en-IN" dirty="0"/>
-              <a:t>class BoxDemo3 {</a:t>
+              <a:t>dimensions of a box.*/</a:t>
+            </a:r>
+          </a:p>
+          <a:p>
+            <a:pPr marL="0" indent="0">
+              <a:buNone/>
+            </a:pPr>
+            <a:r>
+              <a:rPr lang="en-IN" dirty="0"/>
+              <a:t>	class Box {</a:t>
+            </a:r>
+          </a:p>
+          <a:p>
+            <a:pPr marL="0" indent="0">
+              <a:buNone/>
+            </a:pPr>
+            <a:r>
+              <a:rPr lang="en-IN" dirty="0"/>
+              <a:t>		double width;</a:t>
+            </a:r>
+          </a:p>
+          <a:p>
+            <a:pPr marL="0" indent="0">
+              <a:buNone/>
+            </a:pPr>
+            <a:r>
+              <a:rPr lang="en-IN" dirty="0"/>
+              <a:t>		double height;</a:t>
+            </a:r>
+          </a:p>
+          <a:p>
+            <a:pPr marL="0" indent="0">
+              <a:buNone/>
+            </a:pPr>
+            <a:r>
+              <a:rPr lang="en-IN" dirty="0"/>
+              <a:t>		double depth;</a:t>
             </a:r>
           </a:p>
           <a:p>
@@ -4916,316 +4713,180 @@
             </a:pPr>
             <a:r>
               <a:rPr lang="en-US" dirty="0"/>
-              <a:t> </a:t>
-            </a:r>
-            <a:r>
-              <a:rPr lang="en-US" dirty="0" smtClean="0"/>
-              <a:t>      public </a:t>
-            </a:r>
-            <a:r>
-              <a:rPr lang="en-US" dirty="0"/>
-              <a:t>static void main(String </a:t>
-            </a:r>
-            <a:r>
-              <a:rPr lang="en-US" dirty="0" err="1"/>
-              <a:t>args</a:t>
-            </a:r>
-            <a:r>
-              <a:rPr lang="en-US" dirty="0"/>
-              <a:t>[]) </a:t>
-            </a:r>
-            <a:r>
-              <a:rPr lang="en-US" dirty="0" smtClean="0"/>
-              <a:t>{</a:t>
-            </a:r>
-          </a:p>
-          <a:p>
-            <a:pPr marL="0" indent="0">
-              <a:buNone/>
-            </a:pPr>
-            <a:r>
-              <a:rPr lang="en-IN" dirty="0" smtClean="0"/>
-              <a:t>	Box </a:t>
-            </a:r>
+              <a:t>		// This is the constructor for Box.</a:t>
+            </a:r>
+          </a:p>
+          <a:p>
+            <a:pPr marL="0" indent="0">
+              <a:buNone/>
+            </a:pPr>
             <a:r>
               <a:rPr lang="en-IN" dirty="0"/>
-              <a:t>mybox1 = new Box();</a:t>
-            </a:r>
-          </a:p>
-          <a:p>
-            <a:pPr marL="0" indent="0">
-              <a:buNone/>
-            </a:pPr>
-            <a:r>
-              <a:rPr lang="en-IN" dirty="0" smtClean="0"/>
-              <a:t>	Box </a:t>
-            </a:r>
-            <a:r>
-              <a:rPr lang="en-IN" dirty="0"/>
-              <a:t>mybox2 = new Box();</a:t>
-            </a:r>
-          </a:p>
-          <a:p>
-            <a:pPr marL="0" indent="0">
-              <a:buNone/>
-            </a:pPr>
-            <a:r>
-              <a:rPr lang="en-US" dirty="0" smtClean="0"/>
-              <a:t>	</a:t>
-            </a:r>
-          </a:p>
-          <a:p>
-            <a:pPr marL="0" indent="0">
-              <a:buNone/>
-            </a:pPr>
-            <a:r>
-              <a:rPr lang="en-US" dirty="0"/>
-              <a:t>	</a:t>
-            </a:r>
-            <a:r>
-              <a:rPr lang="en-US" dirty="0" smtClean="0"/>
-              <a:t>// </a:t>
-            </a:r>
-            <a:r>
-              <a:rPr lang="en-US" dirty="0"/>
-              <a:t>assign values to mybox1's instance variables</a:t>
-            </a:r>
-          </a:p>
-          <a:p>
-            <a:pPr marL="0" indent="0">
-              <a:buNone/>
-            </a:pPr>
-            <a:r>
-              <a:rPr lang="en-IN" dirty="0" smtClean="0"/>
-              <a:t>	mybox1.width </a:t>
-            </a:r>
-            <a:r>
-              <a:rPr lang="en-IN" dirty="0"/>
-              <a:t>= 10;</a:t>
-            </a:r>
-          </a:p>
-          <a:p>
-            <a:pPr marL="0" indent="0">
-              <a:buNone/>
-            </a:pPr>
-            <a:r>
-              <a:rPr lang="en-IN" dirty="0" smtClean="0"/>
-              <a:t>	mybox1.height </a:t>
-            </a:r>
-            <a:r>
-              <a:rPr lang="en-IN" dirty="0"/>
-              <a:t>= 20;</a:t>
-            </a:r>
-          </a:p>
-          <a:p>
-            <a:pPr marL="0" indent="0">
-              <a:buNone/>
-            </a:pPr>
-            <a:r>
-              <a:rPr lang="en-IN" dirty="0" smtClean="0"/>
-              <a:t>	mybox1.depth </a:t>
-            </a:r>
-            <a:r>
-              <a:rPr lang="en-IN" dirty="0"/>
-              <a:t>= 15;</a:t>
-            </a:r>
-          </a:p>
-          <a:p>
-            <a:pPr marL="0" indent="0">
-              <a:buNone/>
-            </a:pPr>
-            <a:r>
-              <a:rPr lang="en-US" dirty="0" smtClean="0"/>
-              <a:t>	</a:t>
-            </a:r>
-          </a:p>
-          <a:p>
-            <a:pPr marL="0" indent="0">
-              <a:buNone/>
-            </a:pPr>
-            <a:r>
-              <a:rPr lang="en-US" dirty="0" smtClean="0"/>
-              <a:t>	/* </a:t>
-            </a:r>
-            <a:r>
-              <a:rPr lang="en-US" dirty="0"/>
-              <a:t>assign different values to </a:t>
-            </a:r>
-            <a:r>
-              <a:rPr lang="en-US" dirty="0" smtClean="0"/>
-              <a:t>mybox2's </a:t>
-            </a:r>
-            <a:r>
-              <a:rPr lang="en-IN" dirty="0" smtClean="0"/>
-              <a:t>instance </a:t>
-            </a:r>
-            <a:r>
-              <a:rPr lang="en-IN" dirty="0"/>
-              <a:t>variables */</a:t>
-            </a:r>
-          </a:p>
-          <a:p>
-            <a:pPr marL="0" indent="0">
-              <a:buNone/>
-            </a:pPr>
-            <a:r>
-              <a:rPr lang="en-IN" dirty="0" smtClean="0"/>
-              <a:t>	mybox2.width </a:t>
-            </a:r>
-            <a:r>
-              <a:rPr lang="en-IN" dirty="0"/>
-              <a:t>= 3;</a:t>
-            </a:r>
-          </a:p>
-          <a:p>
-            <a:pPr marL="0" indent="0">
-              <a:buNone/>
-            </a:pPr>
-            <a:r>
-              <a:rPr lang="en-IN" dirty="0" smtClean="0"/>
-              <a:t>	mybox2.height </a:t>
-            </a:r>
-            <a:r>
-              <a:rPr lang="en-IN" dirty="0"/>
-              <a:t>= 6;</a:t>
-            </a:r>
-          </a:p>
-          <a:p>
-            <a:pPr marL="0" indent="0">
-              <a:buNone/>
-            </a:pPr>
-            <a:r>
-              <a:rPr lang="en-IN" dirty="0" smtClean="0"/>
-              <a:t>	mybox2.depth </a:t>
-            </a:r>
-            <a:r>
-              <a:rPr lang="en-IN" dirty="0"/>
-              <a:t>= 9;</a:t>
-            </a:r>
-          </a:p>
-          <a:p>
-            <a:pPr marL="0" indent="0">
-              <a:buNone/>
-            </a:pPr>
-            <a:r>
-              <a:rPr lang="en-US" dirty="0" smtClean="0"/>
-              <a:t>	// </a:t>
-            </a:r>
-            <a:r>
-              <a:rPr lang="en-US" dirty="0"/>
-              <a:t>display volume of first box</a:t>
-            </a:r>
-          </a:p>
-          <a:p>
-            <a:pPr marL="0" indent="0">
-              <a:buNone/>
-            </a:pPr>
-            <a:r>
-              <a:rPr lang="en-IN" dirty="0" smtClean="0"/>
-              <a:t>	</a:t>
-            </a:r>
-            <a:r>
-              <a:rPr lang="en-IN" b="1" dirty="0" smtClean="0">
+              <a:t>		</a:t>
+            </a:r>
+            <a:r>
+              <a:rPr lang="en-IN" dirty="0">
                 <a:solidFill>
                   <a:schemeClr val="accent6">
                     <a:lumMod val="50000"/>
                   </a:schemeClr>
                 </a:solidFill>
               </a:rPr>
-              <a:t>mybox1.volume</a:t>
-            </a:r>
-            <a:r>
-              <a:rPr lang="en-IN" b="1" dirty="0">
+              <a:t>Box() {</a:t>
+            </a:r>
+          </a:p>
+          <a:p>
+            <a:pPr marL="0" indent="0">
+              <a:buNone/>
+            </a:pPr>
+            <a:r>
+              <a:rPr lang="en-IN" dirty="0">
                 <a:solidFill>
                   <a:schemeClr val="accent6">
                     <a:lumMod val="50000"/>
                   </a:schemeClr>
                 </a:solidFill>
               </a:rPr>
-              <a:t>();</a:t>
-            </a:r>
-          </a:p>
-          <a:p>
-            <a:pPr marL="0" indent="0">
-              <a:buNone/>
-            </a:pPr>
-            <a:r>
-              <a:rPr lang="en-US" dirty="0" smtClean="0"/>
-              <a:t>	// </a:t>
-            </a:r>
-            <a:r>
-              <a:rPr lang="en-US" dirty="0"/>
-              <a:t>display volume of second box</a:t>
-            </a:r>
-          </a:p>
-          <a:p>
-            <a:pPr marL="0" indent="0">
-              <a:buNone/>
-            </a:pPr>
-            <a:r>
-              <a:rPr lang="en-IN" dirty="0" smtClean="0"/>
-              <a:t>	</a:t>
-            </a:r>
-            <a:r>
-              <a:rPr lang="en-IN" b="1" dirty="0" smtClean="0">
+              <a:t>			</a:t>
+            </a:r>
+            <a:r>
+              <a:rPr lang="en-IN" dirty="0" err="1">
                 <a:solidFill>
                   <a:schemeClr val="accent6">
                     <a:lumMod val="50000"/>
                   </a:schemeClr>
                 </a:solidFill>
               </a:rPr>
-              <a:t>mybox2.volume</a:t>
-            </a:r>
-            <a:r>
-              <a:rPr lang="en-IN" b="1" dirty="0">
+              <a:t>System.out.println</a:t>
+            </a:r>
+            <a:r>
+              <a:rPr lang="en-IN" dirty="0">
                 <a:solidFill>
                   <a:schemeClr val="accent6">
                     <a:lumMod val="50000"/>
                   </a:schemeClr>
                 </a:solidFill>
               </a:rPr>
-              <a:t>();</a:t>
-            </a:r>
-          </a:p>
-          <a:p>
-            <a:pPr marL="0" indent="0">
-              <a:buNone/>
-            </a:pPr>
-            <a:r>
-              <a:rPr lang="en-IN" dirty="0" smtClean="0"/>
+              <a:t>("Constructing Box");</a:t>
+            </a:r>
+          </a:p>
+          <a:p>
+            <a:pPr marL="0" indent="0">
+              <a:buNone/>
+            </a:pPr>
+            <a:r>
+              <a:rPr lang="en-IN" dirty="0">
+                <a:solidFill>
+                  <a:schemeClr val="accent6">
+                    <a:lumMod val="50000"/>
+                  </a:schemeClr>
+                </a:solidFill>
+              </a:rPr>
+              <a:t>			width = 10;</a:t>
+            </a:r>
+          </a:p>
+          <a:p>
+            <a:pPr marL="0" indent="0">
+              <a:buNone/>
+            </a:pPr>
+            <a:r>
+              <a:rPr lang="en-IN" dirty="0">
+                <a:solidFill>
+                  <a:schemeClr val="accent6">
+                    <a:lumMod val="50000"/>
+                  </a:schemeClr>
+                </a:solidFill>
+              </a:rPr>
+              <a:t>			height = 10;</a:t>
+            </a:r>
+          </a:p>
+          <a:p>
+            <a:pPr marL="0" indent="0">
+              <a:buNone/>
+            </a:pPr>
+            <a:r>
+              <a:rPr lang="en-IN" dirty="0">
+                <a:solidFill>
+                  <a:schemeClr val="accent6">
+                    <a:lumMod val="50000"/>
+                  </a:schemeClr>
+                </a:solidFill>
+              </a:rPr>
+              <a:t>			depth = 10;</a:t>
+            </a:r>
+          </a:p>
+          <a:p>
+            <a:pPr marL="0" indent="0">
+              <a:buNone/>
+            </a:pPr>
+            <a:r>
+              <a:rPr lang="en-IN" dirty="0">
+                <a:solidFill>
+                  <a:schemeClr val="accent6">
+                    <a:lumMod val="50000"/>
+                  </a:schemeClr>
+                </a:solidFill>
+              </a:rPr>
+              <a:t>		}</a:t>
+            </a:r>
+          </a:p>
+          <a:p>
+            <a:pPr marL="0" indent="0">
+              <a:buNone/>
+            </a:pPr>
+            <a:r>
+              <a:rPr lang="en-IN" dirty="0"/>
+              <a:t>		// compute and return volume</a:t>
+            </a:r>
+          </a:p>
+          <a:p>
+            <a:pPr marL="0" indent="0">
+              <a:buNone/>
+            </a:pPr>
+            <a:r>
+              <a:rPr lang="en-IN" dirty="0"/>
+              <a:t>		double volume() {</a:t>
+            </a:r>
+          </a:p>
+          <a:p>
+            <a:pPr marL="0" indent="0">
+              <a:buNone/>
+            </a:pPr>
+            <a:r>
+              <a:rPr lang="en-IN" dirty="0"/>
+              <a:t>			return width * height * depth;</a:t>
+            </a:r>
+          </a:p>
+          <a:p>
+            <a:pPr marL="0" indent="0">
+              <a:buNone/>
+            </a:pPr>
+            <a:r>
+              <a:rPr lang="en-IN" dirty="0"/>
+              <a:t>		}</a:t>
+            </a:r>
+          </a:p>
+          <a:p>
+            <a:pPr marL="0" indent="0">
+              <a:buNone/>
+            </a:pPr>
+            <a:r>
+              <a:rPr lang="en-IN" dirty="0"/>
               <a:t>	}</a:t>
             </a:r>
-            <a:endParaRPr lang="en-IN" dirty="0"/>
-          </a:p>
-          <a:p>
-            <a:pPr marL="0" indent="0">
-              <a:buNone/>
-            </a:pPr>
-            <a:r>
-              <a:rPr lang="en-IN" dirty="0" smtClean="0"/>
-              <a:t>	}</a:t>
-            </a:r>
-            <a:endParaRPr lang="en-IN" dirty="0"/>
           </a:p>
         </p:txBody>
       </p:sp>
     </p:spTree>
     <p:extLst>
       <p:ext uri="{BB962C8B-B14F-4D97-AF65-F5344CB8AC3E}">
-        <p14:creationId xmlns:p14="http://schemas.microsoft.com/office/powerpoint/2010/main" val="3755719889"/>
+        <p14:creationId xmlns:p14="http://schemas.microsoft.com/office/powerpoint/2010/main" val="2144275257"/>
       </p:ext>
     </p:extLst>
   </p:cSld>
   <p:clrMapOvr>
     <a:masterClrMapping/>
   </p:clrMapOvr>
-  <p:timing>
-    <p:tnLst>
-      <p:par>
-        <p:cTn id="1" dur="indefinite" restart="never" nodeType="tmRoot"/>
-      </p:par>
-    </p:tnLst>
-  </p:timing>
 </p:sld>
 </file>
 
@@ -5258,8 +4919,8 @@
         </p:nvSpPr>
         <p:spPr>
           <a:xfrm>
-            <a:off x="457200" y="76200"/>
-            <a:ext cx="8229600" cy="334962"/>
+            <a:off x="457200" y="152400"/>
+            <a:ext cx="8229600" cy="381000"/>
           </a:xfrm>
         </p:spPr>
         <p:txBody>
@@ -5270,7 +4931,7 @@
           <a:p>
             <a:r>
               <a:rPr lang="en-IN" b="1" dirty="0"/>
-              <a:t>Constructors</a:t>
+              <a:t>Method Overloading</a:t>
             </a:r>
             <a:endParaRPr lang="en-IN" dirty="0"/>
           </a:p>
@@ -5289,12 +4950,12 @@
         <p:spPr>
           <a:xfrm>
             <a:off x="457200" y="685800"/>
-            <a:ext cx="8229600" cy="5943600"/>
+            <a:ext cx="8229600" cy="6096000"/>
           </a:xfrm>
         </p:spPr>
         <p:txBody>
           <a:bodyPr>
-            <a:normAutofit fontScale="70000" lnSpcReduction="20000"/>
+            <a:normAutofit fontScale="85000" lnSpcReduction="20000"/>
           </a:bodyPr>
           <a:lstStyle/>
           <a:p>
@@ -5302,331 +4963,372 @@
               <a:buNone/>
             </a:pPr>
             <a:r>
-              <a:rPr lang="en-US" dirty="0"/>
-              <a:t>/* Here, Box uses a constructor to initialize </a:t>
-            </a:r>
-            <a:r>
-              <a:rPr lang="en-US" dirty="0" smtClean="0"/>
-              <a:t>the </a:t>
-            </a:r>
-            <a:r>
-              <a:rPr lang="en-IN" dirty="0" smtClean="0"/>
-              <a:t>dimensions </a:t>
-            </a:r>
-            <a:r>
-              <a:rPr lang="en-IN" dirty="0"/>
-              <a:t>of a box</a:t>
-            </a:r>
-            <a:r>
-              <a:rPr lang="en-IN" dirty="0" smtClean="0"/>
-              <a:t>.*/</a:t>
-            </a:r>
-            <a:endParaRPr lang="en-IN" dirty="0"/>
-          </a:p>
-          <a:p>
-            <a:pPr marL="0" indent="0">
-              <a:buNone/>
-            </a:pPr>
-            <a:r>
-              <a:rPr lang="en-IN" dirty="0" smtClean="0"/>
-              <a:t>	class </a:t>
-            </a:r>
-            <a:r>
-              <a:rPr lang="en-IN" dirty="0"/>
-              <a:t>Box {</a:t>
-            </a:r>
-          </a:p>
-          <a:p>
-            <a:pPr marL="0" indent="0">
-              <a:buNone/>
-            </a:pPr>
-            <a:r>
-              <a:rPr lang="en-IN" dirty="0" smtClean="0"/>
-              <a:t>		double </a:t>
-            </a:r>
-            <a:r>
-              <a:rPr lang="en-IN" dirty="0"/>
-              <a:t>width;</a:t>
-            </a:r>
-          </a:p>
-          <a:p>
-            <a:pPr marL="0" indent="0">
-              <a:buNone/>
-            </a:pPr>
-            <a:r>
-              <a:rPr lang="en-IN" dirty="0" smtClean="0"/>
-              <a:t>		double </a:t>
-            </a:r>
-            <a:r>
-              <a:rPr lang="en-IN" dirty="0"/>
-              <a:t>height;</a:t>
-            </a:r>
-          </a:p>
-          <a:p>
-            <a:pPr marL="0" indent="0">
-              <a:buNone/>
-            </a:pPr>
-            <a:r>
-              <a:rPr lang="en-IN" dirty="0" smtClean="0"/>
-              <a:t>		double </a:t>
-            </a:r>
-            <a:r>
-              <a:rPr lang="en-IN" dirty="0"/>
-              <a:t>depth;</a:t>
-            </a:r>
-          </a:p>
-          <a:p>
-            <a:pPr marL="0" indent="0">
-              <a:buNone/>
-            </a:pPr>
-            <a:r>
-              <a:rPr lang="en-US" dirty="0" smtClean="0"/>
-              <a:t>		// </a:t>
-            </a:r>
-            <a:r>
-              <a:rPr lang="en-US" dirty="0"/>
-              <a:t>This is the constructor for Box.</a:t>
-            </a:r>
-          </a:p>
-          <a:p>
-            <a:pPr marL="0" indent="0">
-              <a:buNone/>
-            </a:pPr>
-            <a:r>
-              <a:rPr lang="en-IN" dirty="0" smtClean="0"/>
+              <a:rPr lang="en-IN" sz="2400" dirty="0"/>
+              <a:t>// Demonstrate method overloading.</a:t>
+            </a:r>
+          </a:p>
+          <a:p>
+            <a:pPr marL="0" indent="0">
+              <a:buNone/>
+            </a:pPr>
+            <a:r>
+              <a:rPr lang="en-IN" sz="2400" dirty="0"/>
+              <a:t>class </a:t>
+            </a:r>
+            <a:r>
+              <a:rPr lang="en-IN" sz="2400" dirty="0" err="1"/>
+              <a:t>OverloadDemo</a:t>
+            </a:r>
+            <a:r>
+              <a:rPr lang="en-IN" sz="2400" dirty="0"/>
+              <a:t> {</a:t>
+            </a:r>
+          </a:p>
+          <a:p>
+            <a:pPr marL="0" indent="0">
+              <a:buNone/>
+            </a:pPr>
+            <a:r>
+              <a:rPr lang="en-IN" sz="2400" dirty="0"/>
+              <a:t>	</a:t>
+            </a:r>
+            <a:r>
+              <a:rPr lang="en-IN" sz="2400" b="1" dirty="0">
+                <a:solidFill>
+                  <a:schemeClr val="tx2"/>
+                </a:solidFill>
+              </a:rPr>
+              <a:t>void test() {</a:t>
+            </a:r>
+          </a:p>
+          <a:p>
+            <a:pPr marL="0" indent="0">
+              <a:buNone/>
+            </a:pPr>
+            <a:r>
+              <a:rPr lang="en-IN" sz="2400" b="1" dirty="0">
+                <a:solidFill>
+                  <a:schemeClr val="tx2"/>
+                </a:solidFill>
+              </a:rPr>
               <a:t>		</a:t>
             </a:r>
             <a:r>
-              <a:rPr lang="en-IN" dirty="0" smtClean="0">
-                <a:solidFill>
-                  <a:schemeClr val="accent6">
-                    <a:lumMod val="50000"/>
-                  </a:schemeClr>
-                </a:solidFill>
-              </a:rPr>
-              <a:t>Box</a:t>
-            </a:r>
-            <a:r>
-              <a:rPr lang="en-IN" dirty="0">
-                <a:solidFill>
-                  <a:schemeClr val="accent6">
-                    <a:lumMod val="50000"/>
-                  </a:schemeClr>
-                </a:solidFill>
-              </a:rPr>
-              <a:t>() {</a:t>
-            </a:r>
-          </a:p>
-          <a:p>
-            <a:pPr marL="0" indent="0">
-              <a:buNone/>
-            </a:pPr>
-            <a:r>
-              <a:rPr lang="en-IN" dirty="0" smtClean="0">
-                <a:solidFill>
-                  <a:schemeClr val="accent6">
-                    <a:lumMod val="50000"/>
-                  </a:schemeClr>
-                </a:solidFill>
-              </a:rPr>
-              <a:t>			</a:t>
-            </a:r>
-            <a:r>
-              <a:rPr lang="en-IN" dirty="0" err="1" smtClean="0">
-                <a:solidFill>
-                  <a:schemeClr val="accent6">
-                    <a:lumMod val="50000"/>
-                  </a:schemeClr>
+              <a:rPr lang="en-IN" sz="2400" b="1" dirty="0" err="1">
+                <a:solidFill>
+                  <a:schemeClr val="tx2"/>
                 </a:solidFill>
               </a:rPr>
               <a:t>System.out.println</a:t>
             </a:r>
             <a:r>
-              <a:rPr lang="en-IN" dirty="0">
-                <a:solidFill>
-                  <a:schemeClr val="accent6">
-                    <a:lumMod val="50000"/>
-                  </a:schemeClr>
-                </a:solidFill>
-              </a:rPr>
-              <a:t>("Constructing Box");</a:t>
-            </a:r>
-          </a:p>
-          <a:p>
-            <a:pPr marL="0" indent="0">
-              <a:buNone/>
-            </a:pPr>
-            <a:r>
-              <a:rPr lang="en-IN" dirty="0" smtClean="0">
-                <a:solidFill>
-                  <a:schemeClr val="accent6">
-                    <a:lumMod val="50000"/>
-                  </a:schemeClr>
-                </a:solidFill>
-              </a:rPr>
-              <a:t>			width </a:t>
-            </a:r>
-            <a:r>
-              <a:rPr lang="en-IN" dirty="0">
-                <a:solidFill>
-                  <a:schemeClr val="accent6">
-                    <a:lumMod val="50000"/>
-                  </a:schemeClr>
-                </a:solidFill>
-              </a:rPr>
-              <a:t>= 10;</a:t>
-            </a:r>
-          </a:p>
-          <a:p>
-            <a:pPr marL="0" indent="0">
-              <a:buNone/>
-            </a:pPr>
-            <a:r>
-              <a:rPr lang="en-IN" dirty="0" smtClean="0">
-                <a:solidFill>
-                  <a:schemeClr val="accent6">
-                    <a:lumMod val="50000"/>
-                  </a:schemeClr>
-                </a:solidFill>
-              </a:rPr>
-              <a:t>			height </a:t>
-            </a:r>
-            <a:r>
-              <a:rPr lang="en-IN" dirty="0">
-                <a:solidFill>
-                  <a:schemeClr val="accent6">
-                    <a:lumMod val="50000"/>
-                  </a:schemeClr>
-                </a:solidFill>
-              </a:rPr>
-              <a:t>= 10;</a:t>
-            </a:r>
-          </a:p>
-          <a:p>
-            <a:pPr marL="0" indent="0">
-              <a:buNone/>
-            </a:pPr>
-            <a:r>
-              <a:rPr lang="en-IN" dirty="0" smtClean="0">
-                <a:solidFill>
-                  <a:schemeClr val="accent6">
-                    <a:lumMod val="50000"/>
-                  </a:schemeClr>
-                </a:solidFill>
-              </a:rPr>
-              <a:t>			depth </a:t>
-            </a:r>
-            <a:r>
-              <a:rPr lang="en-IN" dirty="0">
-                <a:solidFill>
-                  <a:schemeClr val="accent6">
-                    <a:lumMod val="50000"/>
-                  </a:schemeClr>
-                </a:solidFill>
-              </a:rPr>
-              <a:t>= 10;</a:t>
-            </a:r>
-          </a:p>
-          <a:p>
-            <a:pPr marL="0" indent="0">
-              <a:buNone/>
-            </a:pPr>
-            <a:r>
-              <a:rPr lang="en-IN" dirty="0" smtClean="0">
-                <a:solidFill>
-                  <a:schemeClr val="accent6">
-                    <a:lumMod val="50000"/>
-                  </a:schemeClr>
-                </a:solidFill>
-              </a:rPr>
-              <a:t>		}</a:t>
-            </a:r>
-            <a:endParaRPr lang="en-IN" dirty="0">
-              <a:solidFill>
-                <a:schemeClr val="accent6">
-                  <a:lumMod val="50000"/>
-                </a:schemeClr>
-              </a:solidFill>
-            </a:endParaRPr>
-          </a:p>
-          <a:p>
-            <a:pPr marL="0" indent="0">
-              <a:buNone/>
-            </a:pPr>
-            <a:r>
-              <a:rPr lang="en-IN" dirty="0" smtClean="0"/>
-              <a:t>		// </a:t>
-            </a:r>
-            <a:r>
-              <a:rPr lang="en-IN" dirty="0"/>
-              <a:t>compute and return volume</a:t>
-            </a:r>
-          </a:p>
-          <a:p>
-            <a:pPr marL="0" indent="0">
-              <a:buNone/>
-            </a:pPr>
-            <a:r>
-              <a:rPr lang="en-IN" dirty="0" smtClean="0"/>
-              <a:t>		double </a:t>
-            </a:r>
-            <a:r>
-              <a:rPr lang="en-IN" dirty="0"/>
-              <a:t>volume() {</a:t>
-            </a:r>
-          </a:p>
-          <a:p>
-            <a:pPr marL="0" indent="0">
-              <a:buNone/>
-            </a:pPr>
-            <a:r>
-              <a:rPr lang="en-IN" dirty="0" smtClean="0"/>
-              <a:t>			return </a:t>
-            </a:r>
-            <a:r>
-              <a:rPr lang="en-IN" dirty="0"/>
-              <a:t>width * height * depth;</a:t>
-            </a:r>
-          </a:p>
-          <a:p>
-            <a:pPr marL="0" indent="0">
-              <a:buNone/>
-            </a:pPr>
-            <a:r>
-              <a:rPr lang="en-IN" dirty="0" smtClean="0"/>
-              <a:t>		}</a:t>
-            </a:r>
-            <a:endParaRPr lang="en-IN" dirty="0"/>
-          </a:p>
-          <a:p>
-            <a:pPr marL="0" indent="0">
-              <a:buNone/>
-            </a:pPr>
-            <a:r>
-              <a:rPr lang="en-IN" dirty="0" smtClean="0"/>
+              <a:rPr lang="en-IN" sz="2400" b="1" dirty="0">
+                <a:solidFill>
+                  <a:schemeClr val="tx2"/>
+                </a:solidFill>
+              </a:rPr>
+              <a:t>("No parameters");</a:t>
+            </a:r>
+          </a:p>
+          <a:p>
+            <a:pPr marL="0" indent="0">
+              <a:buNone/>
+            </a:pPr>
+            <a:r>
+              <a:rPr lang="en-IN" sz="2400" b="1" dirty="0">
+                <a:solidFill>
+                  <a:schemeClr val="tx2"/>
+                </a:solidFill>
+              </a:rPr>
               <a:t>	}</a:t>
             </a:r>
-            <a:endParaRPr lang="en-IN" dirty="0"/>
+          </a:p>
+          <a:p>
+            <a:pPr marL="0" indent="0">
+              <a:buNone/>
+            </a:pPr>
+            <a:r>
+              <a:rPr lang="en-US" sz="2400" dirty="0"/>
+              <a:t>	// Overload test for one integer parameter.</a:t>
+            </a:r>
+          </a:p>
+          <a:p>
+            <a:pPr marL="0" indent="0">
+              <a:buNone/>
+            </a:pPr>
+            <a:r>
+              <a:rPr lang="en-IN" sz="2400" dirty="0"/>
+              <a:t>	</a:t>
+            </a:r>
+            <a:r>
+              <a:rPr lang="en-IN" sz="2400" b="1" dirty="0">
+                <a:solidFill>
+                  <a:srgbClr val="FF0000"/>
+                </a:solidFill>
+              </a:rPr>
+              <a:t>void test(</a:t>
+            </a:r>
+            <a:r>
+              <a:rPr lang="en-IN" sz="2400" b="1" dirty="0" err="1">
+                <a:solidFill>
+                  <a:srgbClr val="FF0000"/>
+                </a:solidFill>
+              </a:rPr>
+              <a:t>int</a:t>
+            </a:r>
+            <a:r>
+              <a:rPr lang="en-IN" sz="2400" b="1" dirty="0">
+                <a:solidFill>
+                  <a:srgbClr val="FF0000"/>
+                </a:solidFill>
+              </a:rPr>
+              <a:t> a) {</a:t>
+            </a:r>
+          </a:p>
+          <a:p>
+            <a:pPr marL="0" indent="0">
+              <a:buNone/>
+            </a:pPr>
+            <a:r>
+              <a:rPr lang="en-IN" sz="2400" b="1" dirty="0">
+                <a:solidFill>
+                  <a:srgbClr val="FF0000"/>
+                </a:solidFill>
+              </a:rPr>
+              <a:t>		</a:t>
+            </a:r>
+            <a:r>
+              <a:rPr lang="en-IN" sz="2400" b="1" dirty="0" err="1">
+                <a:solidFill>
+                  <a:srgbClr val="FF0000"/>
+                </a:solidFill>
+              </a:rPr>
+              <a:t>System.out.println</a:t>
+            </a:r>
+            <a:r>
+              <a:rPr lang="en-IN" sz="2400" b="1" dirty="0">
+                <a:solidFill>
+                  <a:srgbClr val="FF0000"/>
+                </a:solidFill>
+              </a:rPr>
+              <a:t>("a: " + a);</a:t>
+            </a:r>
+          </a:p>
+          <a:p>
+            <a:pPr marL="0" indent="0">
+              <a:buNone/>
+            </a:pPr>
+            <a:r>
+              <a:rPr lang="en-IN" sz="2400" b="1" dirty="0">
+                <a:solidFill>
+                  <a:srgbClr val="FF0000"/>
+                </a:solidFill>
+              </a:rPr>
+              <a:t>	}</a:t>
+            </a:r>
+          </a:p>
+          <a:p>
+            <a:pPr marL="0" indent="0">
+              <a:buNone/>
+            </a:pPr>
+            <a:r>
+              <a:rPr lang="en-US" sz="2400" dirty="0"/>
+              <a:t>	// Overload test for two integer parameters.</a:t>
+            </a:r>
+          </a:p>
+          <a:p>
+            <a:pPr marL="0" indent="0">
+              <a:buNone/>
+            </a:pPr>
+            <a:r>
+              <a:rPr lang="en-US" sz="2400" dirty="0"/>
+              <a:t>	</a:t>
+            </a:r>
+            <a:r>
+              <a:rPr lang="en-US" sz="2400" b="1" dirty="0">
+                <a:solidFill>
+                  <a:srgbClr val="7030A0"/>
+                </a:solidFill>
+              </a:rPr>
+              <a:t>void test(</a:t>
+            </a:r>
+            <a:r>
+              <a:rPr lang="en-US" sz="2400" b="1" dirty="0" err="1">
+                <a:solidFill>
+                  <a:srgbClr val="7030A0"/>
+                </a:solidFill>
+              </a:rPr>
+              <a:t>int</a:t>
+            </a:r>
+            <a:r>
+              <a:rPr lang="en-US" sz="2400" b="1" dirty="0">
+                <a:solidFill>
+                  <a:srgbClr val="7030A0"/>
+                </a:solidFill>
+              </a:rPr>
+              <a:t> a, </a:t>
+            </a:r>
+            <a:r>
+              <a:rPr lang="en-US" sz="2400" b="1" dirty="0" err="1">
+                <a:solidFill>
+                  <a:srgbClr val="7030A0"/>
+                </a:solidFill>
+              </a:rPr>
+              <a:t>int</a:t>
+            </a:r>
+            <a:r>
+              <a:rPr lang="en-US" sz="2400" b="1" dirty="0">
+                <a:solidFill>
+                  <a:srgbClr val="7030A0"/>
+                </a:solidFill>
+              </a:rPr>
+              <a:t> b) {</a:t>
+            </a:r>
+          </a:p>
+          <a:p>
+            <a:pPr marL="0" indent="0">
+              <a:buNone/>
+            </a:pPr>
+            <a:r>
+              <a:rPr lang="en-US" sz="2400" b="1" dirty="0">
+                <a:solidFill>
+                  <a:srgbClr val="7030A0"/>
+                </a:solidFill>
+              </a:rPr>
+              <a:t>		</a:t>
+            </a:r>
+            <a:r>
+              <a:rPr lang="en-US" sz="2400" b="1" dirty="0" err="1">
+                <a:solidFill>
+                  <a:srgbClr val="7030A0"/>
+                </a:solidFill>
+              </a:rPr>
+              <a:t>System.out.println</a:t>
+            </a:r>
+            <a:r>
+              <a:rPr lang="en-US" sz="2400" b="1" dirty="0">
+                <a:solidFill>
+                  <a:srgbClr val="7030A0"/>
+                </a:solidFill>
+              </a:rPr>
+              <a:t>("a and b: " + a + " " + b);</a:t>
+            </a:r>
+          </a:p>
+          <a:p>
+            <a:pPr marL="0" indent="0">
+              <a:buNone/>
+            </a:pPr>
+            <a:r>
+              <a:rPr lang="en-IN" sz="2400" b="1" dirty="0">
+                <a:solidFill>
+                  <a:srgbClr val="7030A0"/>
+                </a:solidFill>
+              </a:rPr>
+              <a:t>	}</a:t>
+            </a:r>
+          </a:p>
+          <a:p>
+            <a:pPr marL="0" indent="0">
+              <a:buNone/>
+            </a:pPr>
+            <a:r>
+              <a:rPr lang="en-US" sz="2400" dirty="0"/>
+              <a:t>	// Overload test for a double parameter</a:t>
+            </a:r>
+          </a:p>
+          <a:p>
+            <a:pPr marL="0" indent="0">
+              <a:buNone/>
+            </a:pPr>
+            <a:r>
+              <a:rPr lang="en-IN" sz="2400" dirty="0"/>
+              <a:t>	</a:t>
+            </a:r>
+            <a:r>
+              <a:rPr lang="en-IN" sz="2400" b="1" dirty="0">
+                <a:solidFill>
+                  <a:srgbClr val="C00000"/>
+                </a:solidFill>
+              </a:rPr>
+              <a:t>double test(double a) {</a:t>
+            </a:r>
+          </a:p>
+          <a:p>
+            <a:pPr marL="0" indent="0">
+              <a:buNone/>
+            </a:pPr>
+            <a:r>
+              <a:rPr lang="en-IN" sz="2400" b="1" dirty="0">
+                <a:solidFill>
+                  <a:srgbClr val="C00000"/>
+                </a:solidFill>
+              </a:rPr>
+              <a:t>		</a:t>
+            </a:r>
+            <a:r>
+              <a:rPr lang="en-IN" sz="2400" b="1" dirty="0" err="1">
+                <a:solidFill>
+                  <a:srgbClr val="C00000"/>
+                </a:solidFill>
+              </a:rPr>
+              <a:t>System.out.println</a:t>
+            </a:r>
+            <a:r>
+              <a:rPr lang="en-IN" sz="2400" b="1" dirty="0">
+                <a:solidFill>
+                  <a:srgbClr val="C00000"/>
+                </a:solidFill>
+              </a:rPr>
+              <a:t>("double a: " + a);</a:t>
+            </a:r>
+          </a:p>
+          <a:p>
+            <a:pPr marL="0" indent="0">
+              <a:buNone/>
+            </a:pPr>
+            <a:r>
+              <a:rPr lang="en-IN" sz="2400" b="1" dirty="0">
+                <a:solidFill>
+                  <a:srgbClr val="C00000"/>
+                </a:solidFill>
+              </a:rPr>
+              <a:t>		return a*a;</a:t>
+            </a:r>
+          </a:p>
+          <a:p>
+            <a:pPr marL="0" indent="0">
+              <a:buNone/>
+            </a:pPr>
+            <a:r>
+              <a:rPr lang="en-IN" sz="2400" b="1" dirty="0">
+                <a:solidFill>
+                  <a:srgbClr val="C00000"/>
+                </a:solidFill>
+              </a:rPr>
+              <a:t>	}</a:t>
+            </a:r>
+          </a:p>
+          <a:p>
+            <a:pPr marL="0" indent="0">
+              <a:buNone/>
+            </a:pPr>
+            <a:r>
+              <a:rPr lang="en-IN" sz="2400" dirty="0"/>
+              <a:t>}</a:t>
+            </a:r>
           </a:p>
         </p:txBody>
       </p:sp>
     </p:spTree>
     <p:extLst>
       <p:ext uri="{BB962C8B-B14F-4D97-AF65-F5344CB8AC3E}">
-        <p14:creationId xmlns:p14="http://schemas.microsoft.com/office/powerpoint/2010/main" val="2144275257"/>
+        <p14:creationId xmlns:p14="http://schemas.microsoft.com/office/powerpoint/2010/main" val="1434874869"/>
       </p:ext>
     </p:extLst>
   </p:cSld>
   <p:clrMapOvr>
     <a:masterClrMapping/>
   </p:clrMapOvr>
-  <p:timing>
-    <p:tnLst>
-      <p:par>
-        <p:cTn id="1" dur="indefinite" restart="never" nodeType="tmRoot"/>
-      </p:par>
-    </p:tnLst>
-  </p:timing>
 </p:sld>
 </file>
 
@@ -5649,488 +5351,263 @@
       </p:grpSpPr>
       <p:sp>
         <p:nvSpPr>
-          <p:cNvPr id="2" name="Title 1"/>
-          <p:cNvSpPr>
-            <a:spLocks noGrp="1"/>
-          </p:cNvSpPr>
-          <p:nvPr>
-            <p:ph type="title"/>
+          <p:cNvPr id="3" name="Content Placeholder 2"/>
+          <p:cNvSpPr>
+            <a:spLocks noGrp="1"/>
+          </p:cNvSpPr>
+          <p:nvPr>
+            <p:ph idx="1"/>
           </p:nvPr>
         </p:nvSpPr>
         <p:spPr>
           <a:xfrm>
-            <a:off x="457200" y="152400"/>
-            <a:ext cx="8229600" cy="381000"/>
+            <a:off x="0" y="457200"/>
+            <a:ext cx="8991600" cy="6400800"/>
           </a:xfrm>
         </p:spPr>
         <p:txBody>
           <a:bodyPr>
-            <a:normAutofit fontScale="90000"/>
+            <a:normAutofit fontScale="92500" lnSpcReduction="20000"/>
           </a:bodyPr>
           <a:lstStyle/>
           <a:p>
-            <a:r>
-              <a:rPr lang="en-IN" b="1" dirty="0" smtClean="0"/>
-              <a:t>Method Overloading</a:t>
-            </a:r>
-            <a:endParaRPr lang="en-IN" dirty="0"/>
-          </a:p>
-        </p:txBody>
-      </p:sp>
-      <p:sp>
-        <p:nvSpPr>
-          <p:cNvPr id="3" name="Content Placeholder 2"/>
-          <p:cNvSpPr>
-            <a:spLocks noGrp="1"/>
-          </p:cNvSpPr>
-          <p:nvPr>
-            <p:ph idx="1"/>
-          </p:nvPr>
-        </p:nvSpPr>
-        <p:spPr>
-          <a:xfrm>
-            <a:off x="457200" y="685800"/>
-            <a:ext cx="8229600" cy="6096000"/>
-          </a:xfrm>
-        </p:spPr>
-        <p:txBody>
-          <a:bodyPr>
-            <a:normAutofit fontScale="85000" lnSpcReduction="20000"/>
-          </a:bodyPr>
-          <a:lstStyle/>
-          <a:p>
-            <a:pPr marL="0" indent="0">
-              <a:buNone/>
-            </a:pPr>
-            <a:r>
-              <a:rPr lang="en-IN" sz="2400" dirty="0"/>
-              <a:t>// Demonstrate method overloading.</a:t>
-            </a:r>
-          </a:p>
-          <a:p>
-            <a:pPr marL="0" indent="0">
-              <a:buNone/>
-            </a:pPr>
-            <a:r>
-              <a:rPr lang="en-IN" sz="2400" dirty="0"/>
-              <a:t>class </a:t>
-            </a:r>
-            <a:r>
-              <a:rPr lang="en-IN" sz="2400" dirty="0" err="1"/>
+            <a:pPr marL="0" indent="0">
+              <a:buNone/>
+            </a:pPr>
+            <a:r>
+              <a:rPr lang="en-IN" dirty="0"/>
+              <a:t>class Overload {</a:t>
+            </a:r>
+          </a:p>
+          <a:p>
+            <a:pPr marL="0" indent="0">
+              <a:buNone/>
+            </a:pPr>
+            <a:r>
+              <a:rPr lang="en-US" dirty="0"/>
+              <a:t>	public static void main(String </a:t>
+            </a:r>
+            <a:r>
+              <a:rPr lang="en-US" dirty="0" err="1"/>
+              <a:t>args</a:t>
+            </a:r>
+            <a:r>
+              <a:rPr lang="en-US" dirty="0"/>
+              <a:t>[]) {</a:t>
+            </a:r>
+          </a:p>
+          <a:p>
+            <a:pPr marL="0" indent="0">
+              <a:buNone/>
+            </a:pPr>
+            <a:r>
+              <a:rPr lang="en-IN" dirty="0"/>
+              <a:t>	</a:t>
+            </a:r>
+            <a:r>
+              <a:rPr lang="en-IN" dirty="0" err="1"/>
               <a:t>OverloadDemo</a:t>
             </a:r>
             <a:r>
-              <a:rPr lang="en-IN" sz="2400" dirty="0"/>
-              <a:t> {</a:t>
-            </a:r>
-          </a:p>
-          <a:p>
-            <a:pPr marL="0" indent="0">
-              <a:buNone/>
-            </a:pPr>
-            <a:r>
-              <a:rPr lang="en-IN" sz="2400" dirty="0" smtClean="0"/>
+              <a:rPr lang="en-IN" dirty="0"/>
+              <a:t> </a:t>
+            </a:r>
+            <a:r>
+              <a:rPr lang="en-IN" dirty="0" err="1"/>
+              <a:t>ob</a:t>
+            </a:r>
+            <a:r>
+              <a:rPr lang="en-IN" dirty="0"/>
+              <a:t> = new </a:t>
+            </a:r>
+            <a:r>
+              <a:rPr lang="en-IN" dirty="0" err="1"/>
+              <a:t>OverloadDemo</a:t>
+            </a:r>
+            <a:r>
+              <a:rPr lang="en-IN" dirty="0"/>
+              <a:t>();</a:t>
+            </a:r>
+          </a:p>
+          <a:p>
+            <a:pPr marL="0" indent="0">
+              <a:buNone/>
+            </a:pPr>
+            <a:r>
+              <a:rPr lang="en-IN" dirty="0"/>
+              <a:t>	double result;</a:t>
+            </a:r>
+          </a:p>
+          <a:p>
+            <a:pPr marL="0" indent="0">
+              <a:buNone/>
+            </a:pPr>
+            <a:r>
+              <a:rPr lang="en-US" dirty="0"/>
+              <a:t>	// call all versions of test()</a:t>
+            </a:r>
+          </a:p>
+          <a:p>
+            <a:pPr marL="0" indent="0">
+              <a:buNone/>
+            </a:pPr>
+            <a:r>
+              <a:rPr lang="en-IN" dirty="0"/>
               <a:t>	</a:t>
             </a:r>
             <a:r>
-              <a:rPr lang="en-IN" sz="2400" b="1" dirty="0" smtClean="0">
-                <a:solidFill>
-                  <a:schemeClr val="tx2"/>
-                </a:solidFill>
-              </a:rPr>
-              <a:t>void </a:t>
-            </a:r>
-            <a:r>
-              <a:rPr lang="en-IN" sz="2400" b="1" dirty="0">
-                <a:solidFill>
-                  <a:schemeClr val="tx2"/>
-                </a:solidFill>
-              </a:rPr>
-              <a:t>test() {</a:t>
-            </a:r>
-          </a:p>
-          <a:p>
-            <a:pPr marL="0" indent="0">
-              <a:buNone/>
-            </a:pPr>
-            <a:r>
-              <a:rPr lang="en-IN" sz="2400" b="1" dirty="0" smtClean="0">
-                <a:solidFill>
-                  <a:schemeClr val="tx2"/>
-                </a:solidFill>
-              </a:rPr>
-              <a:t>		</a:t>
-            </a:r>
-            <a:r>
-              <a:rPr lang="en-IN" sz="2400" b="1" dirty="0" err="1" smtClean="0">
-                <a:solidFill>
-                  <a:schemeClr val="tx2"/>
-                </a:solidFill>
-              </a:rPr>
+              <a:rPr lang="en-IN" dirty="0" err="1">
+                <a:solidFill>
+                  <a:srgbClr val="C00000"/>
+                </a:solidFill>
+              </a:rPr>
+              <a:t>ob.test</a:t>
+            </a:r>
+            <a:r>
+              <a:rPr lang="en-IN" dirty="0">
+                <a:solidFill>
+                  <a:srgbClr val="C00000"/>
+                </a:solidFill>
+              </a:rPr>
+              <a:t>();</a:t>
+            </a:r>
+          </a:p>
+          <a:p>
+            <a:pPr marL="0" indent="0">
+              <a:buNone/>
+            </a:pPr>
+            <a:r>
+              <a:rPr lang="en-IN" dirty="0">
+                <a:solidFill>
+                  <a:srgbClr val="C00000"/>
+                </a:solidFill>
+              </a:rPr>
+              <a:t>	</a:t>
+            </a:r>
+            <a:r>
+              <a:rPr lang="en-IN" dirty="0" err="1">
+                <a:solidFill>
+                  <a:srgbClr val="C00000"/>
+                </a:solidFill>
+              </a:rPr>
+              <a:t>ob.test</a:t>
+            </a:r>
+            <a:r>
+              <a:rPr lang="en-IN" dirty="0">
+                <a:solidFill>
+                  <a:srgbClr val="C00000"/>
+                </a:solidFill>
+              </a:rPr>
+              <a:t>(10);</a:t>
+            </a:r>
+          </a:p>
+          <a:p>
+            <a:pPr marL="0" indent="0">
+              <a:buNone/>
+            </a:pPr>
+            <a:r>
+              <a:rPr lang="en-IN" dirty="0">
+                <a:solidFill>
+                  <a:srgbClr val="C00000"/>
+                </a:solidFill>
+              </a:rPr>
+              <a:t>	</a:t>
+            </a:r>
+            <a:r>
+              <a:rPr lang="en-IN" dirty="0" err="1">
+                <a:solidFill>
+                  <a:srgbClr val="C00000"/>
+                </a:solidFill>
+              </a:rPr>
+              <a:t>ob.test</a:t>
+            </a:r>
+            <a:r>
+              <a:rPr lang="en-IN" dirty="0">
+                <a:solidFill>
+                  <a:srgbClr val="C00000"/>
+                </a:solidFill>
+              </a:rPr>
+              <a:t>(10, 20);</a:t>
+            </a:r>
+          </a:p>
+          <a:p>
+            <a:pPr marL="0" indent="0">
+              <a:buNone/>
+            </a:pPr>
+            <a:r>
+              <a:rPr lang="en-IN" dirty="0">
+                <a:solidFill>
+                  <a:srgbClr val="C00000"/>
+                </a:solidFill>
+              </a:rPr>
+              <a:t>	result = </a:t>
+            </a:r>
+            <a:r>
+              <a:rPr lang="en-IN" dirty="0" err="1">
+                <a:solidFill>
+                  <a:srgbClr val="C00000"/>
+                </a:solidFill>
+              </a:rPr>
+              <a:t>ob.test</a:t>
+            </a:r>
+            <a:r>
+              <a:rPr lang="en-IN" dirty="0">
+                <a:solidFill>
+                  <a:srgbClr val="C00000"/>
+                </a:solidFill>
+              </a:rPr>
+              <a:t>(123.25);</a:t>
+            </a:r>
+          </a:p>
+          <a:p>
+            <a:pPr marL="0" indent="0">
+              <a:buNone/>
+            </a:pPr>
+            <a:r>
+              <a:rPr lang="en-US" dirty="0"/>
+              <a:t>	</a:t>
+            </a:r>
+            <a:r>
+              <a:rPr lang="en-US" dirty="0" err="1"/>
               <a:t>System.out.println</a:t>
             </a:r>
             <a:r>
-              <a:rPr lang="en-IN" sz="2400" b="1" dirty="0">
-                <a:solidFill>
-                  <a:schemeClr val="tx2"/>
-                </a:solidFill>
-              </a:rPr>
-              <a:t>("No parameters");</a:t>
-            </a:r>
-          </a:p>
-          <a:p>
-            <a:pPr marL="0" indent="0">
-              <a:buNone/>
-            </a:pPr>
-            <a:r>
-              <a:rPr lang="en-IN" sz="2400" b="1" dirty="0" smtClean="0">
-                <a:solidFill>
-                  <a:schemeClr val="tx2"/>
-                </a:solidFill>
-              </a:rPr>
-              <a:t>	}</a:t>
-            </a:r>
-            <a:endParaRPr lang="en-IN" sz="2400" b="1" dirty="0">
-              <a:solidFill>
-                <a:schemeClr val="tx2"/>
-              </a:solidFill>
-            </a:endParaRPr>
-          </a:p>
-          <a:p>
-            <a:pPr marL="0" indent="0">
-              <a:buNone/>
-            </a:pPr>
-            <a:r>
-              <a:rPr lang="en-US" sz="2400" dirty="0" smtClean="0"/>
-              <a:t>	// </a:t>
-            </a:r>
-            <a:r>
-              <a:rPr lang="en-US" sz="2400" dirty="0"/>
-              <a:t>Overload test for one integer parameter.</a:t>
-            </a:r>
-          </a:p>
-          <a:p>
-            <a:pPr marL="0" indent="0">
-              <a:buNone/>
-            </a:pPr>
-            <a:r>
-              <a:rPr lang="en-IN" sz="2400" dirty="0" smtClean="0"/>
-              <a:t>	</a:t>
-            </a:r>
-            <a:r>
-              <a:rPr lang="en-IN" sz="2400" b="1" dirty="0" smtClean="0">
-                <a:solidFill>
-                  <a:srgbClr val="FF0000"/>
-                </a:solidFill>
-              </a:rPr>
-              <a:t>void </a:t>
-            </a:r>
-            <a:r>
-              <a:rPr lang="en-IN" sz="2400" b="1" dirty="0">
-                <a:solidFill>
-                  <a:srgbClr val="FF0000"/>
-                </a:solidFill>
-              </a:rPr>
-              <a:t>test(</a:t>
-            </a:r>
-            <a:r>
-              <a:rPr lang="en-IN" sz="2400" b="1" dirty="0" err="1">
-                <a:solidFill>
-                  <a:srgbClr val="FF0000"/>
-                </a:solidFill>
-              </a:rPr>
-              <a:t>int</a:t>
-            </a:r>
-            <a:r>
-              <a:rPr lang="en-IN" sz="2400" b="1" dirty="0">
-                <a:solidFill>
-                  <a:srgbClr val="FF0000"/>
-                </a:solidFill>
-              </a:rPr>
-              <a:t> a) {</a:t>
-            </a:r>
-          </a:p>
-          <a:p>
-            <a:pPr marL="0" indent="0">
-              <a:buNone/>
-            </a:pPr>
-            <a:r>
-              <a:rPr lang="en-IN" sz="2400" b="1" dirty="0" smtClean="0">
-                <a:solidFill>
-                  <a:srgbClr val="FF0000"/>
-                </a:solidFill>
-              </a:rPr>
-              <a:t>		</a:t>
-            </a:r>
-            <a:r>
-              <a:rPr lang="en-IN" sz="2400" b="1" dirty="0" err="1" smtClean="0">
-                <a:solidFill>
-                  <a:srgbClr val="FF0000"/>
-                </a:solidFill>
-              </a:rPr>
-              <a:t>System.out.println</a:t>
-            </a:r>
-            <a:r>
-              <a:rPr lang="en-IN" sz="2400" b="1" dirty="0">
-                <a:solidFill>
-                  <a:srgbClr val="FF0000"/>
-                </a:solidFill>
-              </a:rPr>
-              <a:t>("a: " + a);</a:t>
-            </a:r>
-          </a:p>
-          <a:p>
-            <a:pPr marL="0" indent="0">
-              <a:buNone/>
-            </a:pPr>
-            <a:r>
-              <a:rPr lang="en-IN" sz="2400" b="1" dirty="0" smtClean="0">
-                <a:solidFill>
-                  <a:srgbClr val="FF0000"/>
-                </a:solidFill>
-              </a:rPr>
-              <a:t>	}</a:t>
-            </a:r>
-          </a:p>
-          <a:p>
-            <a:pPr marL="0" indent="0">
-              <a:buNone/>
-            </a:pPr>
-            <a:r>
-              <a:rPr lang="en-US" sz="2400" dirty="0" smtClean="0"/>
-              <a:t>	// </a:t>
-            </a:r>
-            <a:r>
-              <a:rPr lang="en-US" sz="2400" dirty="0"/>
-              <a:t>Overload test for two integer parameters.</a:t>
-            </a:r>
-          </a:p>
-          <a:p>
-            <a:pPr marL="0" indent="0">
-              <a:buNone/>
-            </a:pPr>
-            <a:r>
-              <a:rPr lang="en-US" sz="2400" dirty="0" smtClean="0"/>
-              <a:t>	</a:t>
-            </a:r>
-            <a:r>
-              <a:rPr lang="en-US" sz="2400" b="1" dirty="0" smtClean="0">
-                <a:solidFill>
-                  <a:srgbClr val="7030A0"/>
-                </a:solidFill>
-              </a:rPr>
-              <a:t>void </a:t>
-            </a:r>
-            <a:r>
-              <a:rPr lang="en-US" sz="2400" b="1" dirty="0">
-                <a:solidFill>
-                  <a:srgbClr val="7030A0"/>
-                </a:solidFill>
-              </a:rPr>
-              <a:t>test(</a:t>
-            </a:r>
-            <a:r>
-              <a:rPr lang="en-US" sz="2400" b="1" dirty="0" err="1">
-                <a:solidFill>
-                  <a:srgbClr val="7030A0"/>
-                </a:solidFill>
-              </a:rPr>
-              <a:t>int</a:t>
-            </a:r>
-            <a:r>
-              <a:rPr lang="en-US" sz="2400" b="1" dirty="0">
-                <a:solidFill>
-                  <a:srgbClr val="7030A0"/>
-                </a:solidFill>
-              </a:rPr>
-              <a:t> a, </a:t>
-            </a:r>
-            <a:r>
-              <a:rPr lang="en-US" sz="2400" b="1" dirty="0" err="1">
-                <a:solidFill>
-                  <a:srgbClr val="7030A0"/>
-                </a:solidFill>
-              </a:rPr>
-              <a:t>int</a:t>
-            </a:r>
-            <a:r>
-              <a:rPr lang="en-US" sz="2400" b="1" dirty="0">
-                <a:solidFill>
-                  <a:srgbClr val="7030A0"/>
-                </a:solidFill>
-              </a:rPr>
-              <a:t> b) {</a:t>
-            </a:r>
-          </a:p>
-          <a:p>
-            <a:pPr marL="0" indent="0">
-              <a:buNone/>
-            </a:pPr>
-            <a:r>
-              <a:rPr lang="en-US" sz="2400" b="1" dirty="0" smtClean="0">
-                <a:solidFill>
-                  <a:srgbClr val="7030A0"/>
-                </a:solidFill>
-              </a:rPr>
-              <a:t>		</a:t>
-            </a:r>
-            <a:r>
-              <a:rPr lang="en-US" sz="2400" b="1" dirty="0" err="1" smtClean="0">
-                <a:solidFill>
-                  <a:srgbClr val="7030A0"/>
-                </a:solidFill>
-              </a:rPr>
-              <a:t>System.out.println</a:t>
-            </a:r>
-            <a:r>
-              <a:rPr lang="en-US" sz="2400" b="1" dirty="0">
-                <a:solidFill>
-                  <a:srgbClr val="7030A0"/>
-                </a:solidFill>
-              </a:rPr>
-              <a:t>("a and b: " + a + " " + b);</a:t>
-            </a:r>
-          </a:p>
-          <a:p>
-            <a:pPr marL="0" indent="0">
-              <a:buNone/>
-            </a:pPr>
-            <a:r>
-              <a:rPr lang="en-IN" sz="2400" b="1" dirty="0" smtClean="0">
-                <a:solidFill>
-                  <a:srgbClr val="7030A0"/>
-                </a:solidFill>
-              </a:rPr>
-              <a:t>	}</a:t>
-            </a:r>
-            <a:endParaRPr lang="en-IN" sz="2400" b="1" dirty="0">
-              <a:solidFill>
-                <a:srgbClr val="7030A0"/>
-              </a:solidFill>
-            </a:endParaRPr>
-          </a:p>
-          <a:p>
-            <a:pPr marL="0" indent="0">
-              <a:buNone/>
-            </a:pPr>
-            <a:r>
-              <a:rPr lang="en-US" sz="2400" dirty="0" smtClean="0"/>
-              <a:t>	// </a:t>
-            </a:r>
-            <a:r>
-              <a:rPr lang="en-US" sz="2400" dirty="0"/>
-              <a:t>Overload test for a double parameter</a:t>
-            </a:r>
-          </a:p>
-          <a:p>
-            <a:pPr marL="0" indent="0">
-              <a:buNone/>
-            </a:pPr>
-            <a:r>
-              <a:rPr lang="en-IN" sz="2400" dirty="0" smtClean="0"/>
-              <a:t>	</a:t>
-            </a:r>
-            <a:r>
-              <a:rPr lang="en-IN" sz="2400" b="1" dirty="0" smtClean="0">
-                <a:solidFill>
-                  <a:srgbClr val="C00000"/>
-                </a:solidFill>
-              </a:rPr>
-              <a:t>double </a:t>
-            </a:r>
-            <a:r>
-              <a:rPr lang="en-IN" sz="2400" b="1" dirty="0">
-                <a:solidFill>
-                  <a:srgbClr val="C00000"/>
-                </a:solidFill>
-              </a:rPr>
-              <a:t>test(double a) {</a:t>
-            </a:r>
-          </a:p>
-          <a:p>
-            <a:pPr marL="0" indent="0">
-              <a:buNone/>
-            </a:pPr>
-            <a:r>
-              <a:rPr lang="en-IN" sz="2400" b="1" dirty="0" smtClean="0">
-                <a:solidFill>
-                  <a:srgbClr val="C00000"/>
-                </a:solidFill>
-              </a:rPr>
-              <a:t>		</a:t>
-            </a:r>
-            <a:r>
-              <a:rPr lang="en-IN" sz="2400" b="1" dirty="0" err="1" smtClean="0">
-                <a:solidFill>
-                  <a:srgbClr val="C00000"/>
-                </a:solidFill>
-              </a:rPr>
-              <a:t>System.out.println</a:t>
-            </a:r>
-            <a:r>
-              <a:rPr lang="en-IN" sz="2400" b="1" dirty="0">
-                <a:solidFill>
-                  <a:srgbClr val="C00000"/>
-                </a:solidFill>
-              </a:rPr>
-              <a:t>("double a: " + a);</a:t>
-            </a:r>
-          </a:p>
-          <a:p>
-            <a:pPr marL="0" indent="0">
-              <a:buNone/>
-            </a:pPr>
-            <a:r>
-              <a:rPr lang="en-IN" sz="2400" b="1" dirty="0" smtClean="0">
-                <a:solidFill>
-                  <a:srgbClr val="C00000"/>
-                </a:solidFill>
-              </a:rPr>
-              <a:t>		return </a:t>
-            </a:r>
-            <a:r>
-              <a:rPr lang="en-IN" sz="2400" b="1" dirty="0">
-                <a:solidFill>
-                  <a:srgbClr val="C00000"/>
-                </a:solidFill>
-              </a:rPr>
-              <a:t>a*a;</a:t>
-            </a:r>
-          </a:p>
-          <a:p>
-            <a:pPr marL="0" indent="0">
-              <a:buNone/>
-            </a:pPr>
-            <a:r>
-              <a:rPr lang="en-IN" sz="2400" b="1" dirty="0" smtClean="0">
-                <a:solidFill>
-                  <a:srgbClr val="C00000"/>
-                </a:solidFill>
-              </a:rPr>
-              <a:t>	}</a:t>
-            </a:r>
-            <a:endParaRPr lang="en-IN" sz="2400" b="1" dirty="0">
-              <a:solidFill>
-                <a:srgbClr val="C00000"/>
-              </a:solidFill>
-            </a:endParaRPr>
-          </a:p>
-          <a:p>
-            <a:pPr marL="0" indent="0">
-              <a:buNone/>
-            </a:pPr>
-            <a:r>
-              <a:rPr lang="en-IN" sz="2400" dirty="0"/>
+              <a:rPr lang="en-US" dirty="0"/>
+              <a:t>("Result of </a:t>
+            </a:r>
+            <a:r>
+              <a:rPr lang="en-US" dirty="0" err="1"/>
+              <a:t>ob.test</a:t>
+            </a:r>
+            <a:r>
+              <a:rPr lang="en-US" dirty="0"/>
+              <a:t>(123.25): " + result);</a:t>
+            </a:r>
+          </a:p>
+          <a:p>
+            <a:pPr marL="0" indent="0">
+              <a:buNone/>
+            </a:pPr>
+            <a:r>
+              <a:rPr lang="en-IN" dirty="0"/>
               <a:t>}</a:t>
             </a:r>
-            <a:endParaRPr lang="en-IN" sz="2400" dirty="0"/>
+          </a:p>
+          <a:p>
+            <a:pPr marL="0" indent="0">
+              <a:buNone/>
+            </a:pPr>
+            <a:r>
+              <a:rPr lang="en-IN" dirty="0"/>
+              <a:t>}</a:t>
+            </a:r>
           </a:p>
         </p:txBody>
       </p:sp>
     </p:spTree>
     <p:extLst>
       <p:ext uri="{BB962C8B-B14F-4D97-AF65-F5344CB8AC3E}">
-        <p14:creationId xmlns:p14="http://schemas.microsoft.com/office/powerpoint/2010/main" val="1434874869"/>
+        <p14:creationId xmlns:p14="http://schemas.microsoft.com/office/powerpoint/2010/main" val="3897198518"/>
       </p:ext>
     </p:extLst>
   </p:cSld>
@@ -6159,300 +5636,188 @@
       </p:grpSpPr>
       <p:sp>
         <p:nvSpPr>
-          <p:cNvPr id="3" name="Content Placeholder 2"/>
-          <p:cNvSpPr>
-            <a:spLocks noGrp="1"/>
-          </p:cNvSpPr>
-          <p:nvPr>
-            <p:ph idx="1"/>
+          <p:cNvPr id="2" name="Title 1"/>
+          <p:cNvSpPr>
+            <a:spLocks noGrp="1"/>
+          </p:cNvSpPr>
+          <p:nvPr>
+            <p:ph type="title"/>
           </p:nvPr>
         </p:nvSpPr>
         <p:spPr>
           <a:xfrm>
-            <a:off x="0" y="457200"/>
-            <a:ext cx="8991600" cy="6400800"/>
+            <a:off x="457200" y="274638"/>
+            <a:ext cx="8229600" cy="334962"/>
           </a:xfrm>
         </p:spPr>
         <p:txBody>
           <a:bodyPr>
-            <a:normAutofit fontScale="92500" lnSpcReduction="20000"/>
+            <a:noAutofit/>
           </a:bodyPr>
           <a:lstStyle/>
           <a:p>
-            <a:pPr marL="0" indent="0">
-              <a:buNone/>
-            </a:pPr>
-            <a:r>
-              <a:rPr lang="en-IN" dirty="0"/>
-              <a:t>class Overload {</a:t>
-            </a:r>
-          </a:p>
-          <a:p>
-            <a:pPr marL="0" indent="0">
-              <a:buNone/>
-            </a:pPr>
-            <a:r>
-              <a:rPr lang="en-US" dirty="0" smtClean="0"/>
-              <a:t>	public </a:t>
-            </a:r>
-            <a:r>
-              <a:rPr lang="en-US" dirty="0"/>
-              <a:t>static void main(String </a:t>
-            </a:r>
-            <a:r>
-              <a:rPr lang="en-US" dirty="0" err="1"/>
-              <a:t>args</a:t>
-            </a:r>
-            <a:r>
-              <a:rPr lang="en-US" dirty="0"/>
-              <a:t>[]) {</a:t>
-            </a:r>
-          </a:p>
-          <a:p>
-            <a:pPr marL="0" indent="0">
-              <a:buNone/>
-            </a:pPr>
-            <a:r>
-              <a:rPr lang="en-IN" dirty="0" smtClean="0"/>
+            <a:r>
+              <a:rPr lang="en-IN" sz="3200" b="1" dirty="0"/>
+              <a:t>Overloading Constructors</a:t>
+            </a:r>
+            <a:endParaRPr lang="en-IN" sz="3200" dirty="0"/>
+          </a:p>
+        </p:txBody>
+      </p:sp>
+      <p:sp>
+        <p:nvSpPr>
+          <p:cNvPr id="3" name="Content Placeholder 2"/>
+          <p:cNvSpPr>
+            <a:spLocks noGrp="1"/>
+          </p:cNvSpPr>
+          <p:nvPr>
+            <p:ph idx="1"/>
+          </p:nvPr>
+        </p:nvSpPr>
+        <p:spPr>
+          <a:xfrm>
+            <a:off x="457200" y="914400"/>
+            <a:ext cx="8229600" cy="5791200"/>
+          </a:xfrm>
+        </p:spPr>
+        <p:txBody>
+          <a:bodyPr>
+            <a:noAutofit/>
+          </a:bodyPr>
+          <a:lstStyle/>
+          <a:p>
+            <a:pPr marL="0" indent="0">
+              <a:buNone/>
+            </a:pPr>
+            <a:r>
+              <a:rPr lang="en-US" sz="2400" dirty="0"/>
+              <a:t>/* Here, Box defines three constructors to initialize the dimensions of a box various ways. </a:t>
+            </a:r>
+            <a:r>
+              <a:rPr lang="en-IN" sz="2400" dirty="0"/>
+              <a:t>*/</a:t>
+            </a:r>
+          </a:p>
+          <a:p>
+            <a:pPr marL="0" indent="0">
+              <a:buNone/>
+            </a:pPr>
+            <a:r>
+              <a:rPr lang="en-IN" sz="2400" dirty="0"/>
+              <a:t>class Box {</a:t>
+            </a:r>
+          </a:p>
+          <a:p>
+            <a:pPr marL="0" indent="0">
+              <a:buNone/>
+            </a:pPr>
+            <a:r>
+              <a:rPr lang="en-IN" sz="2400" dirty="0"/>
+              <a:t>	double width;</a:t>
+            </a:r>
+          </a:p>
+          <a:p>
+            <a:pPr marL="0" indent="0">
+              <a:buNone/>
+            </a:pPr>
+            <a:r>
+              <a:rPr lang="en-IN" sz="2400" dirty="0"/>
+              <a:t>	double height;</a:t>
+            </a:r>
+          </a:p>
+          <a:p>
+            <a:pPr marL="0" indent="0">
+              <a:buNone/>
+            </a:pPr>
+            <a:r>
+              <a:rPr lang="en-IN" sz="2400" dirty="0"/>
+              <a:t>	double depth;</a:t>
+            </a:r>
+          </a:p>
+          <a:p>
+            <a:pPr marL="0" indent="0">
+              <a:buNone/>
+            </a:pPr>
+            <a:r>
+              <a:rPr lang="en-US" sz="2400" dirty="0"/>
+              <a:t>	// constructor used when all dimensions specified</a:t>
+            </a:r>
+          </a:p>
+          <a:p>
+            <a:pPr marL="0" indent="0">
+              <a:buNone/>
+            </a:pPr>
+            <a:r>
+              <a:rPr lang="fr-FR" sz="2400" dirty="0"/>
               <a:t>	</a:t>
             </a:r>
             <a:r>
-              <a:rPr lang="en-IN" dirty="0" err="1" smtClean="0"/>
-              <a:t>OverloadDemo</a:t>
-            </a:r>
-            <a:r>
-              <a:rPr lang="en-IN" dirty="0" smtClean="0"/>
-              <a:t> </a:t>
-            </a:r>
-            <a:r>
-              <a:rPr lang="en-IN" dirty="0" err="1"/>
-              <a:t>ob</a:t>
-            </a:r>
-            <a:r>
-              <a:rPr lang="en-IN" dirty="0"/>
-              <a:t> = new </a:t>
-            </a:r>
-            <a:r>
-              <a:rPr lang="en-IN" dirty="0" err="1"/>
-              <a:t>OverloadDemo</a:t>
-            </a:r>
-            <a:r>
-              <a:rPr lang="en-IN" dirty="0"/>
-              <a:t>();</a:t>
-            </a:r>
-          </a:p>
-          <a:p>
-            <a:pPr marL="0" indent="0">
-              <a:buNone/>
-            </a:pPr>
-            <a:r>
-              <a:rPr lang="en-IN" dirty="0" smtClean="0"/>
-              <a:t>	double </a:t>
-            </a:r>
-            <a:r>
-              <a:rPr lang="en-IN" dirty="0"/>
-              <a:t>result;</a:t>
-            </a:r>
-          </a:p>
-          <a:p>
-            <a:pPr marL="0" indent="0">
-              <a:buNone/>
-            </a:pPr>
-            <a:r>
-              <a:rPr lang="en-US" dirty="0" smtClean="0"/>
-              <a:t>	// </a:t>
-            </a:r>
-            <a:r>
-              <a:rPr lang="en-US" dirty="0"/>
-              <a:t>call all versions of test()</a:t>
-            </a:r>
-          </a:p>
-          <a:p>
-            <a:pPr marL="0" indent="0">
-              <a:buNone/>
-            </a:pPr>
-            <a:r>
-              <a:rPr lang="en-IN" dirty="0" smtClean="0"/>
-              <a:t>	</a:t>
-            </a:r>
-            <a:r>
-              <a:rPr lang="en-IN" dirty="0" err="1" smtClean="0">
+              <a:rPr lang="fr-FR" sz="2400" dirty="0">
                 <a:solidFill>
                   <a:srgbClr val="C00000"/>
                 </a:solidFill>
               </a:rPr>
-              <a:t>ob.test</a:t>
-            </a:r>
-            <a:r>
-              <a:rPr lang="en-IN" dirty="0">
+              <a:t>Box(double w, double h, double d) {</a:t>
+            </a:r>
+          </a:p>
+          <a:p>
+            <a:pPr marL="0" indent="0">
+              <a:buNone/>
+            </a:pPr>
+            <a:r>
+              <a:rPr lang="en-IN" sz="2400" dirty="0">
                 <a:solidFill>
                   <a:srgbClr val="C00000"/>
                 </a:solidFill>
               </a:rPr>
-              <a:t>();</a:t>
-            </a:r>
-          </a:p>
-          <a:p>
-            <a:pPr marL="0" indent="0">
-              <a:buNone/>
-            </a:pPr>
-            <a:r>
-              <a:rPr lang="en-IN" dirty="0" smtClean="0">
+              <a:t>		width = w;</a:t>
+            </a:r>
+          </a:p>
+          <a:p>
+            <a:pPr marL="0" indent="0">
+              <a:buNone/>
+            </a:pPr>
+            <a:r>
+              <a:rPr lang="en-IN" sz="2400" dirty="0">
                 <a:solidFill>
                   <a:srgbClr val="C00000"/>
                 </a:solidFill>
               </a:rPr>
-              <a:t>	</a:t>
-            </a:r>
-            <a:r>
-              <a:rPr lang="en-IN" dirty="0" err="1" smtClean="0">
+              <a:t>		height = h;</a:t>
+            </a:r>
+          </a:p>
+          <a:p>
+            <a:pPr marL="0" indent="0">
+              <a:buNone/>
+            </a:pPr>
+            <a:r>
+              <a:rPr lang="en-IN" sz="2400" dirty="0">
                 <a:solidFill>
                   <a:srgbClr val="C00000"/>
                 </a:solidFill>
               </a:rPr>
-              <a:t>ob.test</a:t>
-            </a:r>
-            <a:r>
-              <a:rPr lang="en-IN" dirty="0" smtClean="0">
+              <a:t>		depth = d;</a:t>
+            </a:r>
+          </a:p>
+          <a:p>
+            <a:pPr marL="0" indent="0">
+              <a:buNone/>
+            </a:pPr>
+            <a:r>
+              <a:rPr lang="en-IN" sz="2400" dirty="0">
                 <a:solidFill>
                   <a:srgbClr val="C00000"/>
                 </a:solidFill>
               </a:rPr>
-              <a:t>(10</a:t>
-            </a:r>
-            <a:r>
-              <a:rPr lang="en-IN" dirty="0">
-                <a:solidFill>
-                  <a:srgbClr val="C00000"/>
-                </a:solidFill>
-              </a:rPr>
-              <a:t>);</a:t>
-            </a:r>
-          </a:p>
-          <a:p>
-            <a:pPr marL="0" indent="0">
-              <a:buNone/>
-            </a:pPr>
-            <a:r>
-              <a:rPr lang="en-IN" dirty="0" smtClean="0">
-                <a:solidFill>
-                  <a:srgbClr val="C00000"/>
-                </a:solidFill>
-              </a:rPr>
-              <a:t>	</a:t>
-            </a:r>
-            <a:r>
-              <a:rPr lang="en-IN" dirty="0" err="1" smtClean="0">
-                <a:solidFill>
-                  <a:srgbClr val="C00000"/>
-                </a:solidFill>
-              </a:rPr>
-              <a:t>ob.test</a:t>
-            </a:r>
-            <a:r>
-              <a:rPr lang="en-IN" dirty="0" smtClean="0">
-                <a:solidFill>
-                  <a:srgbClr val="C00000"/>
-                </a:solidFill>
-              </a:rPr>
-              <a:t>(10</a:t>
-            </a:r>
-            <a:r>
-              <a:rPr lang="en-IN" dirty="0">
-                <a:solidFill>
-                  <a:srgbClr val="C00000"/>
-                </a:solidFill>
-              </a:rPr>
-              <a:t>, 20);</a:t>
-            </a:r>
-          </a:p>
-          <a:p>
-            <a:pPr marL="0" indent="0">
-              <a:buNone/>
-            </a:pPr>
-            <a:r>
-              <a:rPr lang="en-IN" dirty="0" smtClean="0">
-                <a:solidFill>
-                  <a:srgbClr val="C00000"/>
-                </a:solidFill>
-              </a:rPr>
-              <a:t>	result </a:t>
-            </a:r>
-            <a:r>
-              <a:rPr lang="en-IN" dirty="0">
-                <a:solidFill>
-                  <a:srgbClr val="C00000"/>
-                </a:solidFill>
-              </a:rPr>
-              <a:t>= </a:t>
-            </a:r>
-            <a:r>
-              <a:rPr lang="en-IN" dirty="0" err="1">
-                <a:solidFill>
-                  <a:srgbClr val="C00000"/>
-                </a:solidFill>
-              </a:rPr>
-              <a:t>ob.test</a:t>
-            </a:r>
-            <a:r>
-              <a:rPr lang="en-IN" dirty="0">
-                <a:solidFill>
-                  <a:srgbClr val="C00000"/>
-                </a:solidFill>
-              </a:rPr>
-              <a:t>(123.25);</a:t>
-            </a:r>
-          </a:p>
-          <a:p>
-            <a:pPr marL="0" indent="0">
-              <a:buNone/>
-            </a:pPr>
-            <a:r>
-              <a:rPr lang="en-US" dirty="0" smtClean="0"/>
-              <a:t>	</a:t>
-            </a:r>
-            <a:r>
-              <a:rPr lang="en-US" dirty="0" err="1" smtClean="0"/>
-              <a:t>System.out.println</a:t>
-            </a:r>
-            <a:r>
-              <a:rPr lang="en-US" dirty="0"/>
-              <a:t>("Result of </a:t>
-            </a:r>
-            <a:r>
-              <a:rPr lang="en-US" dirty="0" err="1"/>
-              <a:t>ob.test</a:t>
-            </a:r>
-            <a:r>
-              <a:rPr lang="en-US" dirty="0"/>
-              <a:t>(123.25): " + result);</a:t>
-            </a:r>
-          </a:p>
-          <a:p>
-            <a:pPr marL="0" indent="0">
-              <a:buNone/>
-            </a:pPr>
-            <a:r>
-              <a:rPr lang="en-IN" dirty="0"/>
-              <a:t>}</a:t>
-            </a:r>
-          </a:p>
-          <a:p>
-            <a:pPr marL="0" indent="0">
-              <a:buNone/>
-            </a:pPr>
-            <a:r>
-              <a:rPr lang="en-IN" dirty="0"/>
-              <a:t>}</a:t>
-            </a:r>
-            <a:endParaRPr lang="en-IN" dirty="0"/>
+              <a:t>	}</a:t>
+            </a:r>
           </a:p>
         </p:txBody>
       </p:sp>
     </p:spTree>
     <p:extLst>
       <p:ext uri="{BB962C8B-B14F-4D97-AF65-F5344CB8AC3E}">
-        <p14:creationId xmlns:p14="http://schemas.microsoft.com/office/powerpoint/2010/main" val="3897198518"/>
+        <p14:creationId xmlns:p14="http://schemas.microsoft.com/office/powerpoint/2010/main" val="1336613294"/>
       </p:ext>
     </p:extLst>
   </p:cSld>
